--- a/folien/week5.pptx
+++ b/folien/week5.pptx
@@ -5,24 +5,33 @@
     <p:sldMasterId id="2147483664" r:id="rId1"/>
   </p:sldMasterIdLst>
   <p:notesMasterIdLst>
-    <p:notesMasterId r:id="rId17"/>
+    <p:notesMasterId r:id="rId26"/>
   </p:notesMasterIdLst>
   <p:sldIdLst>
     <p:sldId id="257" r:id="rId2"/>
     <p:sldId id="273" r:id="rId3"/>
-    <p:sldId id="291" r:id="rId4"/>
-    <p:sldId id="259" r:id="rId5"/>
-    <p:sldId id="270" r:id="rId6"/>
-    <p:sldId id="294" r:id="rId7"/>
-    <p:sldId id="292" r:id="rId8"/>
-    <p:sldId id="298" r:id="rId9"/>
-    <p:sldId id="299" r:id="rId10"/>
-    <p:sldId id="300" r:id="rId11"/>
-    <p:sldId id="301" r:id="rId12"/>
-    <p:sldId id="302" r:id="rId13"/>
-    <p:sldId id="297" r:id="rId14"/>
-    <p:sldId id="296" r:id="rId15"/>
-    <p:sldId id="303" r:id="rId16"/>
+    <p:sldId id="294" r:id="rId4"/>
+    <p:sldId id="296" r:id="rId5"/>
+    <p:sldId id="300" r:id="rId6"/>
+    <p:sldId id="301" r:id="rId7"/>
+    <p:sldId id="302" r:id="rId8"/>
+    <p:sldId id="303" r:id="rId9"/>
+    <p:sldId id="304" r:id="rId10"/>
+    <p:sldId id="305" r:id="rId11"/>
+    <p:sldId id="306" r:id="rId12"/>
+    <p:sldId id="307" r:id="rId13"/>
+    <p:sldId id="308" r:id="rId14"/>
+    <p:sldId id="309" r:id="rId15"/>
+    <p:sldId id="310" r:id="rId16"/>
+    <p:sldId id="311" r:id="rId17"/>
+    <p:sldId id="312" r:id="rId18"/>
+    <p:sldId id="313" r:id="rId19"/>
+    <p:sldId id="285" r:id="rId20"/>
+    <p:sldId id="314" r:id="rId21"/>
+    <p:sldId id="297" r:id="rId22"/>
+    <p:sldId id="298" r:id="rId23"/>
+    <p:sldId id="299" r:id="rId24"/>
+    <p:sldId id="295" r:id="rId25"/>
   </p:sldIdLst>
   <p:sldSz cx="9144000" cy="5143500" type="screen16x9"/>
   <p:notesSz cx="6858000" cy="9144000"/>
@@ -128,19 +137,28 @@
           <p14:sldIdLst>
             <p14:sldId id="257"/>
             <p14:sldId id="273"/>
-            <p14:sldId id="291"/>
-            <p14:sldId id="259"/>
-            <p14:sldId id="270"/>
             <p14:sldId id="294"/>
-            <p14:sldId id="292"/>
-            <p14:sldId id="298"/>
-            <p14:sldId id="299"/>
+            <p14:sldId id="296"/>
             <p14:sldId id="300"/>
             <p14:sldId id="301"/>
             <p14:sldId id="302"/>
+            <p14:sldId id="303"/>
+            <p14:sldId id="304"/>
+            <p14:sldId id="305"/>
+            <p14:sldId id="306"/>
+            <p14:sldId id="307"/>
+            <p14:sldId id="308"/>
+            <p14:sldId id="309"/>
+            <p14:sldId id="310"/>
+            <p14:sldId id="311"/>
+            <p14:sldId id="312"/>
+            <p14:sldId id="313"/>
+            <p14:sldId id="285"/>
+            <p14:sldId id="314"/>
             <p14:sldId id="297"/>
-            <p14:sldId id="296"/>
-            <p14:sldId id="303"/>
+            <p14:sldId id="298"/>
+            <p14:sldId id="299"/>
+            <p14:sldId id="295"/>
           </p14:sldIdLst>
         </p14:section>
       </p14:sectionLst>
@@ -245,7 +263,7 @@
           <a:p>
             <a:fld id="{21C000D9-2858-4F4C-AF5C-64F79A7C2410}" type="datetimeFigureOut">
               <a:rPr lang="en-US" smtClean="0"/>
-              <a:t>5/11/2021</a:t>
+              <a:t>5/19/2021</a:t>
             </a:fld>
             <a:endParaRPr lang="en-US"/>
           </a:p>
@@ -637,254 +655,6 @@
     <p:extLst>
       <p:ext uri="{BB962C8B-B14F-4D97-AF65-F5344CB8AC3E}">
         <p14:creationId xmlns:p14="http://schemas.microsoft.com/office/powerpoint/2010/main" val="1609464255"/>
-      </p:ext>
-    </p:extLst>
-  </p:cSld>
-  <p:clrMapOvr>
-    <a:masterClrMapping/>
-  </p:clrMapOvr>
-</p:notes>
-</file>
-
-<file path=ppt/notesSlides/notesSlide2.xml><?xml version="1.0" encoding="utf-8"?>
-<p:notes xmlns:a="http://schemas.openxmlformats.org/drawingml/2006/main" xmlns:r="http://schemas.openxmlformats.org/officeDocument/2006/relationships" xmlns:p="http://schemas.openxmlformats.org/presentationml/2006/main">
-  <p:cSld>
-    <p:spTree>
-      <p:nvGrpSpPr>
-        <p:cNvPr id="1" name=""/>
-        <p:cNvGrpSpPr/>
-        <p:nvPr/>
-      </p:nvGrpSpPr>
-      <p:grpSpPr>
-        <a:xfrm>
-          <a:off x="0" y="0"/>
-          <a:ext cx="0" cy="0"/>
-          <a:chOff x="0" y="0"/>
-          <a:chExt cx="0" cy="0"/>
-        </a:xfrm>
-      </p:grpSpPr>
-      <p:sp>
-        <p:nvSpPr>
-          <p:cNvPr id="2" name="Slide Image Placeholder 1"/>
-          <p:cNvSpPr>
-            <a:spLocks noGrp="1" noRot="1" noChangeAspect="1"/>
-          </p:cNvSpPr>
-          <p:nvPr>
-            <p:ph type="sldImg"/>
-          </p:nvPr>
-        </p:nvSpPr>
-        <p:spPr/>
-      </p:sp>
-      <p:sp>
-        <p:nvSpPr>
-          <p:cNvPr id="3" name="Notes Placeholder 2"/>
-          <p:cNvSpPr>
-            <a:spLocks noGrp="1"/>
-          </p:cNvSpPr>
-          <p:nvPr>
-            <p:ph type="body" idx="1"/>
-          </p:nvPr>
-        </p:nvSpPr>
-        <p:spPr/>
-        <p:txBody>
-          <a:bodyPr/>
-          <a:lstStyle/>
-          <a:p>
-            <a:r>
-              <a:rPr lang="de-DE" dirty="0"/>
-              <a:t>- Literaturrecherche verarbeiten</a:t>
-            </a:r>
-          </a:p>
-          <a:p>
-            <a:r>
-              <a:rPr lang="de-DE" dirty="0"/>
-              <a:t>- Forschungsstand darstellen </a:t>
-            </a:r>
-          </a:p>
-          <a:p>
-            <a:r>
-              <a:rPr lang="de-DE" dirty="0"/>
-              <a:t>- theoretischen Hintergrund entwickeln </a:t>
-            </a:r>
-          </a:p>
-          <a:p>
-            <a:r>
-              <a:rPr lang="de-DE" dirty="0"/>
-              <a:t>- Forschungsfragen ableiten</a:t>
-            </a:r>
-          </a:p>
-        </p:txBody>
-      </p:sp>
-      <p:sp>
-        <p:nvSpPr>
-          <p:cNvPr id="4" name="Slide Number Placeholder 3"/>
-          <p:cNvSpPr>
-            <a:spLocks noGrp="1"/>
-          </p:cNvSpPr>
-          <p:nvPr>
-            <p:ph type="sldNum" sz="quarter" idx="5"/>
-          </p:nvPr>
-        </p:nvSpPr>
-        <p:spPr/>
-        <p:txBody>
-          <a:bodyPr/>
-          <a:lstStyle/>
-          <a:p>
-            <a:fld id="{C347FAF7-5C4E-4642-B377-C3A2CDCC9DA1}" type="slidenum">
-              <a:rPr lang="en-US" smtClean="0"/>
-              <a:t>4</a:t>
-            </a:fld>
-            <a:endParaRPr lang="en-US"/>
-          </a:p>
-        </p:txBody>
-      </p:sp>
-    </p:spTree>
-    <p:extLst>
-      <p:ext uri="{BB962C8B-B14F-4D97-AF65-F5344CB8AC3E}">
-        <p14:creationId xmlns:p14="http://schemas.microsoft.com/office/powerpoint/2010/main" val="716239762"/>
-      </p:ext>
-    </p:extLst>
-  </p:cSld>
-  <p:clrMapOvr>
-    <a:masterClrMapping/>
-  </p:clrMapOvr>
-</p:notes>
-</file>
-
-<file path=ppt/notesSlides/notesSlide3.xml><?xml version="1.0" encoding="utf-8"?>
-<p:notes xmlns:a="http://schemas.openxmlformats.org/drawingml/2006/main" xmlns:r="http://schemas.openxmlformats.org/officeDocument/2006/relationships" xmlns:p="http://schemas.openxmlformats.org/presentationml/2006/main">
-  <p:cSld>
-    <p:spTree>
-      <p:nvGrpSpPr>
-        <p:cNvPr id="1" name=""/>
-        <p:cNvGrpSpPr/>
-        <p:nvPr/>
-      </p:nvGrpSpPr>
-      <p:grpSpPr>
-        <a:xfrm>
-          <a:off x="0" y="0"/>
-          <a:ext cx="0" cy="0"/>
-          <a:chOff x="0" y="0"/>
-          <a:chExt cx="0" cy="0"/>
-        </a:xfrm>
-      </p:grpSpPr>
-      <p:sp>
-        <p:nvSpPr>
-          <p:cNvPr id="2" name="Slide Image Placeholder 1"/>
-          <p:cNvSpPr>
-            <a:spLocks noGrp="1" noRot="1" noChangeAspect="1"/>
-          </p:cNvSpPr>
-          <p:nvPr>
-            <p:ph type="sldImg"/>
-          </p:nvPr>
-        </p:nvSpPr>
-        <p:spPr/>
-      </p:sp>
-      <p:sp>
-        <p:nvSpPr>
-          <p:cNvPr id="3" name="Notes Placeholder 2"/>
-          <p:cNvSpPr>
-            <a:spLocks noGrp="1"/>
-          </p:cNvSpPr>
-          <p:nvPr>
-            <p:ph type="body" idx="1"/>
-          </p:nvPr>
-        </p:nvSpPr>
-        <p:spPr/>
-        <p:txBody>
-          <a:bodyPr/>
-          <a:lstStyle/>
-          <a:p>
-            <a:pPr marL="171450" indent="-171450">
-              <a:buFontTx/>
-              <a:buChar char="-"/>
-            </a:pPr>
-            <a:r>
-              <a:rPr lang="de-DE" dirty="0"/>
-              <a:t>Neuen Ordner erstellen</a:t>
-            </a:r>
-            <a:r>
-              <a:rPr lang="de-DE" baseline="0" dirty="0"/>
-              <a:t> mit Seminarname</a:t>
-            </a:r>
-          </a:p>
-          <a:p>
-            <a:pPr marL="171450" indent="-171450">
-              <a:buFontTx/>
-              <a:buChar char="-"/>
-            </a:pPr>
-            <a:r>
-              <a:rPr lang="de-DE" baseline="0" dirty="0"/>
-              <a:t>Manuelle Eingabe</a:t>
-            </a:r>
-          </a:p>
-          <a:p>
-            <a:pPr marL="171450" indent="-171450">
-              <a:buFontTx/>
-              <a:buChar char="-"/>
-            </a:pPr>
-            <a:r>
-              <a:rPr lang="de-DE" baseline="0" dirty="0" err="1"/>
-              <a:t>Pdf</a:t>
-            </a:r>
-            <a:r>
-              <a:rPr lang="de-DE" baseline="0" dirty="0"/>
-              <a:t>-Eingabe</a:t>
-            </a:r>
-          </a:p>
-          <a:p>
-            <a:pPr marL="171450" indent="-171450">
-              <a:buFontTx/>
-              <a:buChar char="-"/>
-            </a:pPr>
-            <a:r>
-              <a:rPr lang="de-DE" baseline="0" dirty="0"/>
-              <a:t>Hinweis auf korrekte Zitation, z.B. bei Überschriften</a:t>
-            </a:r>
-          </a:p>
-          <a:p>
-            <a:pPr marL="171450" indent="-171450">
-              <a:buFontTx/>
-              <a:buChar char="-"/>
-            </a:pPr>
-            <a:r>
-              <a:rPr lang="de-DE" baseline="0" dirty="0"/>
-              <a:t>Wie komme ich an die Datenbank? Plug-In bei Word?</a:t>
-            </a:r>
-            <a:endParaRPr lang="de-DE" dirty="0"/>
-          </a:p>
-          <a:p>
-            <a:endParaRPr lang="de-DE" dirty="0"/>
-          </a:p>
-        </p:txBody>
-      </p:sp>
-      <p:sp>
-        <p:nvSpPr>
-          <p:cNvPr id="4" name="Slide Number Placeholder 3"/>
-          <p:cNvSpPr>
-            <a:spLocks noGrp="1"/>
-          </p:cNvSpPr>
-          <p:nvPr>
-            <p:ph type="sldNum" sz="quarter" idx="5"/>
-          </p:nvPr>
-        </p:nvSpPr>
-        <p:spPr/>
-        <p:txBody>
-          <a:bodyPr/>
-          <a:lstStyle/>
-          <a:p>
-            <a:fld id="{C347FAF7-5C4E-4642-B377-C3A2CDCC9DA1}" type="slidenum">
-              <a:rPr lang="en-US" smtClean="0"/>
-              <a:t>7</a:t>
-            </a:fld>
-            <a:endParaRPr lang="en-US"/>
-          </a:p>
-        </p:txBody>
-      </p:sp>
-    </p:spTree>
-    <p:extLst>
-      <p:ext uri="{BB962C8B-B14F-4D97-AF65-F5344CB8AC3E}">
-        <p14:creationId xmlns:p14="http://schemas.microsoft.com/office/powerpoint/2010/main" val="1124337394"/>
       </p:ext>
     </p:extLst>
   </p:cSld>
@@ -3508,7 +3278,7 @@
                 <a:latin typeface="Arial" panose="020B0604020202020204" pitchFamily="34" charset="0"/>
                 <a:cs typeface="Arial" panose="020B0604020202020204" pitchFamily="34" charset="0"/>
               </a:rPr>
-              <a:t>5. Sitzung: Zitation + Literaturverwaltung</a:t>
+              <a:t>6. Sitzung: Hermeneutik</a:t>
             </a:r>
           </a:p>
           <a:p>
@@ -3520,7 +3290,7 @@
                 <a:latin typeface="Arial" panose="020B0604020202020204" pitchFamily="34" charset="0"/>
                 <a:cs typeface="Arial" panose="020B0604020202020204" pitchFamily="34" charset="0"/>
               </a:rPr>
-              <a:t>12.05.21</a:t>
+              <a:t>19.05.21</a:t>
             </a:r>
           </a:p>
         </p:txBody>
@@ -3560,7 +3330,7 @@
           <p:cNvPr id="2" name="Title 1">
             <a:extLst>
               <a:ext uri="{FF2B5EF4-FFF2-40B4-BE49-F238E27FC236}">
-                <a16:creationId xmlns:a16="http://schemas.microsoft.com/office/drawing/2014/main" id="{B7883E40-B5AF-4A8E-89B2-7FF2AE24C62B}"/>
+                <a16:creationId xmlns:a16="http://schemas.microsoft.com/office/drawing/2014/main" id="{A694A519-09F7-42D8-9161-90DD74BF31CA}"/>
               </a:ext>
             </a:extLst>
           </p:cNvPr>
@@ -3576,10 +3346,7 @@
           <a:bodyPr/>
           <a:lstStyle/>
           <a:p>
-            <a:r>
-              <a:rPr lang="de-DE" dirty="0"/>
-              <a:t>Zitate</a:t>
-            </a:r>
+            <a:endParaRPr lang="de-DE"/>
           </a:p>
         </p:txBody>
       </p:sp>
@@ -3588,7 +3355,7 @@
           <p:cNvPr id="3" name="Text Placeholder 2">
             <a:extLst>
               <a:ext uri="{FF2B5EF4-FFF2-40B4-BE49-F238E27FC236}">
-                <a16:creationId xmlns:a16="http://schemas.microsoft.com/office/drawing/2014/main" id="{443BD1F0-CEF3-4F95-B219-991E337A2710}"/>
+                <a16:creationId xmlns:a16="http://schemas.microsoft.com/office/drawing/2014/main" id="{6A837E6F-CF94-4176-9EC6-5058061A4254}"/>
               </a:ext>
             </a:extLst>
           </p:cNvPr>
@@ -3604,43 +3371,77 @@
           <a:bodyPr/>
           <a:lstStyle/>
           <a:p>
-            <a:pPr marL="0" lvl="0" indent="0">
-              <a:buNone/>
-            </a:pPr>
-            <a:r>
-              <a:rPr lang="de-DE" sz="1800" dirty="0"/>
-              <a:t>So ist Interesse definiert als „die kognitive Anteilnahme respektive die Aufmerksamkeit, die eine Person an einer Sache oder einer anderen Person nimmt“ (Müller, 2002, S. 100).</a:t>
-            </a:r>
-          </a:p>
-          <a:p>
-            <a:pPr marL="0" lvl="0" indent="0">
-              <a:buNone/>
-            </a:pPr>
-            <a:r>
-              <a:rPr lang="de-DE" sz="1800" dirty="0"/>
-              <a:t>Oder auch: Müller (2002) definiert Interesse wie folgt: „[D]</a:t>
-            </a:r>
-            <a:r>
-              <a:rPr lang="de-DE" sz="1800" dirty="0" err="1"/>
-              <a:t>ie</a:t>
-            </a:r>
-            <a:r>
-              <a:rPr lang="de-DE" sz="1800" dirty="0"/>
-              <a:t> kognitive Anteilnahme respektive die Aufmerksamkeit, die eine Person an einer Sache oder einer anderen Person nimmt.“ (S. 100).</a:t>
-            </a:r>
-          </a:p>
-          <a:p>
-            <a:endParaRPr lang="de-DE" sz="1800" dirty="0"/>
-          </a:p>
-          <a:p>
-            <a:endParaRPr lang="de-DE" sz="1800" dirty="0"/>
+            <a:pPr marL="0" indent="0">
+              <a:buNone/>
+            </a:pPr>
+            <a:r>
+              <a:rPr lang="de-DE" sz="1400" b="1" dirty="0"/>
+              <a:t>Schritt 3: Quellenkritik</a:t>
+            </a:r>
+          </a:p>
+          <a:p>
+            <a:pPr marL="0" indent="0">
+              <a:buNone/>
+            </a:pPr>
+            <a:r>
+              <a:rPr lang="de-DE" sz="1400" dirty="0"/>
+              <a:t>• Texte können aus verschiedenen (unterschiedlich glaubwürdigen) Quellen stammen (Originale, Fälschungen,</a:t>
+            </a:r>
+          </a:p>
+          <a:p>
+            <a:pPr marL="0" indent="0">
+              <a:buNone/>
+            </a:pPr>
+            <a:r>
+              <a:rPr lang="de-DE" sz="1400" dirty="0"/>
+              <a:t>anonyme Schriften)</a:t>
+            </a:r>
+          </a:p>
+          <a:p>
+            <a:pPr marL="0" indent="0">
+              <a:buNone/>
+            </a:pPr>
+            <a:r>
+              <a:rPr lang="de-DE" sz="1400" dirty="0"/>
+              <a:t>• Texte können in unterschiedlichen Versionen vorliegen (handschriftliche Originale, Transkripte, gekürzte Fassungen)</a:t>
+            </a:r>
+          </a:p>
+          <a:p>
+            <a:pPr marL="0" indent="0">
+              <a:buNone/>
+            </a:pPr>
+            <a:endParaRPr lang="de-DE" sz="1400" dirty="0"/>
+          </a:p>
+          <a:p>
+            <a:pPr marL="0" indent="0">
+              <a:buNone/>
+            </a:pPr>
+            <a:r>
+              <a:rPr lang="de-DE" sz="1400" dirty="0"/>
+              <a:t>‣ Echtheit, Vollständigkeit und Version ist bei der Analyse zu überprüfen</a:t>
+            </a:r>
+          </a:p>
+          <a:p>
+            <a:pPr marL="0" indent="0">
+              <a:buNone/>
+            </a:pPr>
+            <a:r>
+              <a:rPr lang="de-DE" sz="1400" dirty="0"/>
+              <a:t>‣ Quelle des Textes muss angegeben werden</a:t>
+            </a:r>
+          </a:p>
+          <a:p>
+            <a:pPr marL="0" indent="0">
+              <a:buNone/>
+            </a:pPr>
+            <a:endParaRPr lang="de-DE" sz="1400" dirty="0"/>
           </a:p>
         </p:txBody>
       </p:sp>
     </p:spTree>
     <p:extLst>
       <p:ext uri="{BB962C8B-B14F-4D97-AF65-F5344CB8AC3E}">
-        <p14:creationId xmlns:p14="http://schemas.microsoft.com/office/powerpoint/2010/main" val="873668695"/>
+        <p14:creationId xmlns:p14="http://schemas.microsoft.com/office/powerpoint/2010/main" val="939291260"/>
       </p:ext>
     </p:extLst>
   </p:cSld>
@@ -3672,7 +3473,7 @@
           <p:cNvPr id="2" name="Title 1">
             <a:extLst>
               <a:ext uri="{FF2B5EF4-FFF2-40B4-BE49-F238E27FC236}">
-                <a16:creationId xmlns:a16="http://schemas.microsoft.com/office/drawing/2014/main" id="{A8142129-C4CA-4454-BCCC-01930061CE20}"/>
+                <a16:creationId xmlns:a16="http://schemas.microsoft.com/office/drawing/2014/main" id="{57110AAA-DAF2-438B-AD50-EE7F5AA7485B}"/>
               </a:ext>
             </a:extLst>
           </p:cNvPr>
@@ -3688,10 +3489,7 @@
           <a:bodyPr/>
           <a:lstStyle/>
           <a:p>
-            <a:r>
-              <a:rPr lang="de-DE" dirty="0"/>
-              <a:t>Faustregeln</a:t>
-            </a:r>
+            <a:endParaRPr lang="de-DE"/>
           </a:p>
         </p:txBody>
       </p:sp>
@@ -3700,7 +3498,7 @@
           <p:cNvPr id="3" name="Text Placeholder 2">
             <a:extLst>
               <a:ext uri="{FF2B5EF4-FFF2-40B4-BE49-F238E27FC236}">
-                <a16:creationId xmlns:a16="http://schemas.microsoft.com/office/drawing/2014/main" id="{2D7201C3-8CFB-4CF9-9136-6FCD73B9DD97}"/>
+                <a16:creationId xmlns:a16="http://schemas.microsoft.com/office/drawing/2014/main" id="{E5D612E6-EECE-41A5-8E9B-5A62186418D9}"/>
               </a:ext>
             </a:extLst>
           </p:cNvPr>
@@ -3716,93 +3514,94 @@
           <a:bodyPr/>
           <a:lstStyle/>
           <a:p>
-            <a:pPr lvl="0"/>
-            <a:r>
-              <a:rPr lang="de-DE" sz="1600" dirty="0"/>
-              <a:t>1 oder 2 Autoren werden ausgeschrieben</a:t>
-            </a:r>
-          </a:p>
-          <a:p>
-            <a:pPr lvl="0"/>
-            <a:r>
-              <a:rPr lang="de-DE" sz="1600" dirty="0"/>
-              <a:t>ab 3 Autoren: 1. Autor + et al. </a:t>
-            </a:r>
-          </a:p>
-          <a:p>
-            <a:pPr lvl="0"/>
-            <a:r>
-              <a:rPr lang="de-DE" sz="1600" dirty="0"/>
-              <a:t>Bei gleichen Autoren + Jahren: </a:t>
-            </a:r>
-          </a:p>
-          <a:p>
-            <a:pPr lvl="1"/>
-            <a:r>
-              <a:rPr lang="de-DE" sz="1800" dirty="0"/>
-              <a:t>entweder a, b, c etc. </a:t>
-            </a:r>
-          </a:p>
-          <a:p>
-            <a:pPr lvl="1"/>
-            <a:r>
-              <a:rPr lang="de-DE" sz="1800" dirty="0"/>
-              <a:t>bzw. Autoren nennen, bis eindeutig </a:t>
-            </a:r>
-            <a:br>
-              <a:rPr lang="de-DE" sz="1800" dirty="0"/>
-            </a:br>
-            <a:r>
-              <a:rPr lang="de-DE" sz="1800" dirty="0"/>
-              <a:t>(z.B. Müller, Meier &amp; Schulz vs. Müller, Meier &amp; Schmidt)</a:t>
-            </a:r>
-          </a:p>
-          <a:p>
-            <a:pPr marL="457200" lvl="1" indent="0">
-              <a:buNone/>
-            </a:pPr>
-            <a:endParaRPr lang="de-DE" sz="1800" dirty="0"/>
-          </a:p>
-          <a:p>
-            <a:pPr marL="0" lvl="1" indent="0">
-              <a:buNone/>
-            </a:pPr>
-            <a:r>
-              <a:rPr lang="de-DE" sz="1800" dirty="0"/>
-              <a:t>APA Style: </a:t>
-            </a:r>
-            <a:r>
-              <a:rPr lang="de-DE" sz="1800" dirty="0">
-                <a:hlinkClick r:id="rId2"/>
-              </a:rPr>
-              <a:t>https://apastyle.apa.org/style-grammar-guidelines</a:t>
-            </a:r>
-            <a:endParaRPr lang="de-DE" sz="1800" dirty="0"/>
-          </a:p>
-          <a:p>
-            <a:pPr marL="457200" lvl="1" indent="0">
-              <a:buNone/>
-            </a:pPr>
-            <a:endParaRPr lang="de-DE" sz="1800" dirty="0"/>
-          </a:p>
-          <a:p>
-            <a:pPr marL="0" indent="0">
-              <a:buNone/>
-            </a:pPr>
-            <a:r>
-              <a:rPr lang="de-DE" sz="1600" i="1" dirty="0"/>
-              <a:t>Tipp: Achten Sie auf Kommasetzung, Kursivschreibung und Groß- und Kleinschreibung </a:t>
-            </a:r>
-          </a:p>
-          <a:p>
-            <a:endParaRPr lang="de-DE" sz="1600" dirty="0"/>
+            <a:pPr marL="0" indent="0">
+              <a:buNone/>
+            </a:pPr>
+            <a:r>
+              <a:rPr lang="de-DE" sz="1400" b="1" dirty="0"/>
+              <a:t>Schritt 4: Semantische Analyse</a:t>
+            </a:r>
+          </a:p>
+          <a:p>
+            <a:pPr marL="0" indent="0">
+              <a:buNone/>
+            </a:pPr>
+            <a:r>
+              <a:rPr lang="de-DE" sz="1400" dirty="0"/>
+              <a:t>• Analyse von </a:t>
+            </a:r>
+            <a:r>
+              <a:rPr lang="de-DE" sz="1400" b="1" dirty="0"/>
+              <a:t>Wortbedeutungen</a:t>
+            </a:r>
+            <a:r>
+              <a:rPr lang="de-DE" sz="1400" dirty="0"/>
+              <a:t> ist für die Textanalyse unverzichtbar</a:t>
+            </a:r>
+          </a:p>
+          <a:p>
+            <a:pPr marL="0" indent="0">
+              <a:buNone/>
+            </a:pPr>
+            <a:r>
+              <a:rPr lang="de-DE" sz="1400" dirty="0"/>
+              <a:t>• Wortbedeutungen können sich im historischen Verlauf ändern, sind regional bedingt oder werden als Fachtermini verwendet</a:t>
+            </a:r>
+          </a:p>
+          <a:p>
+            <a:pPr marL="0" indent="0">
+              <a:buNone/>
+            </a:pPr>
+            <a:endParaRPr lang="de-DE" sz="1400" dirty="0"/>
+          </a:p>
+          <a:p>
+            <a:pPr marL="0" indent="0">
+              <a:buNone/>
+            </a:pPr>
+            <a:r>
+              <a:rPr lang="de-DE" sz="1400" dirty="0"/>
+              <a:t>‣ Textanalyse erfordert die Rekonstruktion von Wortbedeutungen (im Sinne des Autors!)</a:t>
+            </a:r>
+          </a:p>
+          <a:p>
+            <a:pPr marL="0" indent="0">
+              <a:buNone/>
+            </a:pPr>
+            <a:r>
+              <a:rPr lang="de-DE" sz="1400" dirty="0"/>
+              <a:t>	‣ historisch: in historischen Wörterbüchern</a:t>
+            </a:r>
+          </a:p>
+          <a:p>
+            <a:pPr marL="0" indent="0">
+              <a:buNone/>
+            </a:pPr>
+            <a:r>
+              <a:rPr lang="de-DE" sz="1400" dirty="0"/>
+              <a:t>	‣ Fachtermini: in Fachlexika, in Definitionen des Autors</a:t>
+            </a:r>
+          </a:p>
+          <a:p>
+            <a:pPr marL="0" indent="0">
+              <a:buNone/>
+            </a:pPr>
+            <a:r>
+              <a:rPr lang="de-DE" sz="1400" dirty="0"/>
+              <a:t>‣ keine naive Gleichsetzung mit heutigem Sprachgebrauch</a:t>
+            </a:r>
+          </a:p>
+          <a:p>
+            <a:pPr marL="0" indent="0">
+              <a:buNone/>
+            </a:pPr>
+            <a:endParaRPr lang="de-DE" sz="1400" dirty="0"/>
           </a:p>
         </p:txBody>
       </p:sp>
     </p:spTree>
     <p:extLst>
       <p:ext uri="{BB962C8B-B14F-4D97-AF65-F5344CB8AC3E}">
-        <p14:creationId xmlns:p14="http://schemas.microsoft.com/office/powerpoint/2010/main" val="3613530380"/>
+        <p14:creationId xmlns:p14="http://schemas.microsoft.com/office/powerpoint/2010/main" val="2168703007"/>
       </p:ext>
     </p:extLst>
   </p:cSld>
@@ -3834,7 +3633,7 @@
           <p:cNvPr id="2" name="Title 1">
             <a:extLst>
               <a:ext uri="{FF2B5EF4-FFF2-40B4-BE49-F238E27FC236}">
-                <a16:creationId xmlns:a16="http://schemas.microsoft.com/office/drawing/2014/main" id="{7740A25F-5F7C-4125-B580-D4BFFD3CD310}"/>
+                <a16:creationId xmlns:a16="http://schemas.microsoft.com/office/drawing/2014/main" id="{E96581E1-5131-4EAD-B214-51B407914938}"/>
               </a:ext>
             </a:extLst>
           </p:cNvPr>
@@ -3850,10 +3649,7 @@
           <a:bodyPr/>
           <a:lstStyle/>
           <a:p>
-            <a:r>
-              <a:rPr lang="de-DE" dirty="0"/>
-              <a:t>Beispiele</a:t>
-            </a:r>
+            <a:endParaRPr lang="de-DE"/>
           </a:p>
         </p:txBody>
       </p:sp>
@@ -3862,7 +3658,7 @@
           <p:cNvPr id="3" name="Text Placeholder 2">
             <a:extLst>
               <a:ext uri="{FF2B5EF4-FFF2-40B4-BE49-F238E27FC236}">
-                <a16:creationId xmlns:a16="http://schemas.microsoft.com/office/drawing/2014/main" id="{EADB6267-7669-40D6-B0C1-40CF7449779B}"/>
+                <a16:creationId xmlns:a16="http://schemas.microsoft.com/office/drawing/2014/main" id="{268E6C8A-08EE-48DA-909C-3E00AA1C2A07}"/>
               </a:ext>
             </a:extLst>
           </p:cNvPr>
@@ -3882,234 +3678,55 @@
               <a:buNone/>
             </a:pPr>
             <a:r>
-              <a:rPr lang="de-DE" sz="1600" kern="0" dirty="0"/>
-              <a:t>Bertram, C., Wagner, W., &amp; Trautwein, U. (2017). Learning </a:t>
-            </a:r>
-            <a:r>
-              <a:rPr lang="de-DE" sz="1600" kern="0" dirty="0" err="1"/>
-              <a:t>historical</a:t>
-            </a:r>
-            <a:r>
-              <a:rPr lang="de-DE" sz="1600" kern="0" dirty="0"/>
-              <a:t> </a:t>
-            </a:r>
-            <a:r>
-              <a:rPr lang="de-DE" sz="1600" kern="0" dirty="0" err="1"/>
-              <a:t>thinking</a:t>
-            </a:r>
-            <a:r>
-              <a:rPr lang="de-DE" sz="1600" kern="0" dirty="0"/>
-              <a:t> </a:t>
-            </a:r>
-            <a:r>
-              <a:rPr lang="de-DE" sz="1600" kern="0" dirty="0" err="1"/>
-              <a:t>with</a:t>
-            </a:r>
-            <a:r>
-              <a:rPr lang="de-DE" sz="1600" kern="0" dirty="0"/>
-              <a:t> oral </a:t>
-            </a:r>
-            <a:r>
-              <a:rPr lang="de-DE" sz="1600" kern="0" dirty="0" err="1"/>
-              <a:t>history</a:t>
-            </a:r>
-            <a:r>
-              <a:rPr lang="de-DE" sz="1600" kern="0" dirty="0"/>
-              <a:t> </a:t>
-            </a:r>
-            <a:r>
-              <a:rPr lang="de-DE" sz="1600" kern="0" dirty="0" err="1"/>
-              <a:t>interviews</a:t>
-            </a:r>
-            <a:r>
-              <a:rPr lang="de-DE" sz="1600" kern="0" dirty="0"/>
-              <a:t>: A </a:t>
-            </a:r>
-            <a:r>
-              <a:rPr lang="de-DE" sz="1600" kern="0" dirty="0" err="1"/>
-              <a:t>cluster</a:t>
-            </a:r>
-            <a:r>
-              <a:rPr lang="de-DE" sz="1600" kern="0" dirty="0"/>
-              <a:t> </a:t>
-            </a:r>
-            <a:r>
-              <a:rPr lang="de-DE" sz="1600" kern="0" dirty="0" err="1"/>
-              <a:t>randomized</a:t>
-            </a:r>
-            <a:r>
-              <a:rPr lang="de-DE" sz="1600" kern="0" dirty="0"/>
-              <a:t> </a:t>
-            </a:r>
-            <a:r>
-              <a:rPr lang="de-DE" sz="1600" kern="0" dirty="0" err="1"/>
-              <a:t>controlled</a:t>
-            </a:r>
-            <a:r>
-              <a:rPr lang="de-DE" sz="1600" kern="0" dirty="0"/>
-              <a:t> </a:t>
-            </a:r>
-            <a:r>
-              <a:rPr lang="de-DE" sz="1600" kern="0" dirty="0" err="1"/>
-              <a:t>intervention</a:t>
-            </a:r>
-            <a:r>
-              <a:rPr lang="de-DE" sz="1600" kern="0" dirty="0"/>
-              <a:t> </a:t>
-            </a:r>
-            <a:r>
-              <a:rPr lang="de-DE" sz="1600" kern="0" dirty="0" err="1"/>
-              <a:t>study</a:t>
-            </a:r>
-            <a:r>
-              <a:rPr lang="de-DE" sz="1600" kern="0" dirty="0"/>
-              <a:t> of oral </a:t>
-            </a:r>
-            <a:r>
-              <a:rPr lang="de-DE" sz="1600" kern="0" dirty="0" err="1"/>
-              <a:t>history</a:t>
-            </a:r>
-            <a:r>
-              <a:rPr lang="de-DE" sz="1600" kern="0" dirty="0"/>
-              <a:t> </a:t>
-            </a:r>
-            <a:r>
-              <a:rPr lang="de-DE" sz="1600" kern="0" dirty="0" err="1"/>
-              <a:t>interviews</a:t>
-            </a:r>
-            <a:r>
-              <a:rPr lang="de-DE" sz="1600" kern="0" dirty="0"/>
-              <a:t> in </a:t>
-            </a:r>
-            <a:r>
-              <a:rPr lang="de-DE" sz="1600" kern="0" dirty="0" err="1"/>
-              <a:t>history</a:t>
-            </a:r>
-            <a:r>
-              <a:rPr lang="de-DE" sz="1600" kern="0" dirty="0"/>
-              <a:t> </a:t>
-            </a:r>
-            <a:r>
-              <a:rPr lang="de-DE" sz="1600" kern="0" dirty="0" err="1"/>
-              <a:t>lessons</a:t>
-            </a:r>
-            <a:r>
-              <a:rPr lang="de-DE" sz="1600" kern="0" dirty="0"/>
-              <a:t>. </a:t>
-            </a:r>
-            <a:r>
-              <a:rPr lang="de-DE" sz="1600" i="1" kern="0" dirty="0"/>
-              <a:t>American Educational Research Journal, 54</a:t>
-            </a:r>
-            <a:r>
-              <a:rPr lang="de-DE" sz="1600" kern="0" dirty="0"/>
-              <a:t>(3), 444–484. </a:t>
-            </a:r>
-            <a:r>
-              <a:rPr lang="de-DE" sz="1600" kern="0" dirty="0">
-                <a:hlinkClick r:id="rId2"/>
-              </a:rPr>
-              <a:t>https://doi.org/10.3102/0002831217694833</a:t>
-            </a:r>
-            <a:endParaRPr lang="de-DE" sz="1600" kern="0" dirty="0"/>
-          </a:p>
-          <a:p>
-            <a:pPr marL="0" indent="0">
-              <a:buNone/>
-            </a:pPr>
-            <a:r>
-              <a:rPr lang="de-DE" sz="1600" dirty="0" err="1"/>
-              <a:t>Angvik</a:t>
-            </a:r>
-            <a:r>
-              <a:rPr lang="de-DE" sz="1600" dirty="0"/>
-              <a:t>, M., &amp; von </a:t>
-            </a:r>
-            <a:r>
-              <a:rPr lang="de-DE" sz="1600" dirty="0" err="1"/>
-              <a:t>Borries</a:t>
-            </a:r>
-            <a:r>
-              <a:rPr lang="de-DE" sz="1600" dirty="0"/>
-              <a:t>, B. (Eds.). </a:t>
-            </a:r>
-            <a:r>
-              <a:rPr lang="en-US" sz="1600" dirty="0"/>
-              <a:t>(1997). </a:t>
-            </a:r>
-            <a:r>
-              <a:rPr lang="en-US" sz="1600" i="1" dirty="0"/>
-              <a:t>Youth and history. A comparative European survey on historical consciousness and political attitudes among adolescents</a:t>
-            </a:r>
-            <a:r>
-              <a:rPr lang="en-US" sz="1600" dirty="0"/>
-              <a:t>. </a:t>
-            </a:r>
-            <a:r>
-              <a:rPr lang="en-US" sz="1600" dirty="0" err="1"/>
-              <a:t>Körber</a:t>
-            </a:r>
-            <a:r>
-              <a:rPr lang="en-US" sz="1600" dirty="0"/>
-              <a:t>-Stiftung.</a:t>
-            </a:r>
-            <a:endParaRPr lang="de-DE" sz="1600" dirty="0"/>
-          </a:p>
-          <a:p>
-            <a:pPr marL="0" indent="0">
-              <a:buNone/>
-            </a:pPr>
-            <a:r>
-              <a:rPr lang="en-US" sz="1600" kern="0" dirty="0" err="1"/>
-              <a:t>Körber</a:t>
-            </a:r>
-            <a:r>
-              <a:rPr lang="en-US" sz="1600" kern="0" dirty="0"/>
-              <a:t>, A., &amp; Meyer-</a:t>
-            </a:r>
-            <a:r>
-              <a:rPr lang="en-US" sz="1600" kern="0" dirty="0" err="1"/>
-              <a:t>Hamme</a:t>
-            </a:r>
-            <a:r>
-              <a:rPr lang="en-US" sz="1600" kern="0" dirty="0"/>
-              <a:t>, J. (2015). Historical thinking, competencies, and their measurement. In K. </a:t>
-            </a:r>
-            <a:r>
-              <a:rPr lang="en-US" sz="1600" kern="0" dirty="0" err="1"/>
-              <a:t>Ercikan</a:t>
-            </a:r>
-            <a:r>
-              <a:rPr lang="en-US" sz="1600" kern="0" dirty="0"/>
-              <a:t> &amp; P. </a:t>
-            </a:r>
-            <a:r>
-              <a:rPr lang="en-US" sz="1600" kern="0" dirty="0" err="1"/>
-              <a:t>Seixas</a:t>
-            </a:r>
-            <a:r>
-              <a:rPr lang="en-US" sz="1600" kern="0" dirty="0"/>
-              <a:t> (Eds.), New directions in assessing historical thinking (pp. 89–101). Routledge.</a:t>
-            </a:r>
-          </a:p>
-          <a:p>
-            <a:pPr marL="0" indent="0">
-              <a:buNone/>
-            </a:pPr>
-            <a:endParaRPr lang="de-DE" sz="1600" kern="0" dirty="0"/>
-          </a:p>
-          <a:p>
-            <a:pPr marL="0" indent="0">
-              <a:buNone/>
-            </a:pPr>
-            <a:endParaRPr lang="de-DE" sz="1600" dirty="0"/>
+              <a:rPr lang="de-DE" sz="1400" b="1" dirty="0"/>
+              <a:t>Schritt 5: Diskurskontext</a:t>
+            </a:r>
+          </a:p>
+          <a:p>
+            <a:pPr marL="0" indent="0">
+              <a:buNone/>
+            </a:pPr>
+            <a:r>
+              <a:rPr lang="de-DE" sz="1400" dirty="0"/>
+              <a:t>• Pädagogische Texte sind oftmals Reaktionen auf pädagogische Praktiken, Theorien, Vorschläge, Diskussionen, etc.</a:t>
+            </a:r>
+          </a:p>
+          <a:p>
+            <a:pPr marL="0" indent="0">
+              <a:buNone/>
+            </a:pPr>
+            <a:r>
+              <a:rPr lang="de-DE" sz="1400" dirty="0"/>
+              <a:t>• Sie folgen nicht ausschließlich einem reinen Erkenntnisinteresse</a:t>
+            </a:r>
+          </a:p>
+          <a:p>
+            <a:pPr marL="0" indent="0">
+              <a:buNone/>
+            </a:pPr>
+            <a:endParaRPr lang="de-DE" sz="1400" dirty="0"/>
+          </a:p>
+          <a:p>
+            <a:pPr marL="0" indent="0">
+              <a:buNone/>
+            </a:pPr>
+            <a:r>
+              <a:rPr lang="de-DE" sz="1400" dirty="0"/>
+              <a:t>‣ Anlässe, aus welchen heraus ein Text geschrieben wurde, müssen ermittelt werden, nur so lässt sich ein Text sinnvoll interpretieren</a:t>
+            </a:r>
+          </a:p>
+          <a:p>
+            <a:pPr marL="0" indent="0">
+              <a:buNone/>
+            </a:pPr>
+            <a:endParaRPr lang="de-DE" sz="1400" dirty="0"/>
           </a:p>
         </p:txBody>
       </p:sp>
     </p:spTree>
     <p:extLst>
       <p:ext uri="{BB962C8B-B14F-4D97-AF65-F5344CB8AC3E}">
-        <p14:creationId xmlns:p14="http://schemas.microsoft.com/office/powerpoint/2010/main" val="3255162836"/>
+        <p14:creationId xmlns:p14="http://schemas.microsoft.com/office/powerpoint/2010/main" val="1268068385"/>
       </p:ext>
     </p:extLst>
   </p:cSld>
@@ -4141,7 +3758,7 @@
           <p:cNvPr id="2" name="Title 1">
             <a:extLst>
               <a:ext uri="{FF2B5EF4-FFF2-40B4-BE49-F238E27FC236}">
-                <a16:creationId xmlns:a16="http://schemas.microsoft.com/office/drawing/2014/main" id="{BF6D208F-05F2-40FD-BD45-51CB3F10A0A0}"/>
+                <a16:creationId xmlns:a16="http://schemas.microsoft.com/office/drawing/2014/main" id="{FCAC7ACC-B336-4B85-BA27-4D45C7AF7E17}"/>
               </a:ext>
             </a:extLst>
           </p:cNvPr>
@@ -4157,10 +3774,6 @@
           <a:bodyPr/>
           <a:lstStyle/>
           <a:p>
-            <a:r>
-              <a:rPr lang="de-DE" sz="3200" dirty="0"/>
-              <a:t>Forschungsstand</a:t>
-            </a:r>
             <a:endParaRPr lang="de-DE" dirty="0"/>
           </a:p>
         </p:txBody>
@@ -4170,7 +3783,7 @@
           <p:cNvPr id="3" name="Text Placeholder 2">
             <a:extLst>
               <a:ext uri="{FF2B5EF4-FFF2-40B4-BE49-F238E27FC236}">
-                <a16:creationId xmlns:a16="http://schemas.microsoft.com/office/drawing/2014/main" id="{6CFFED3A-1B15-4331-BCF2-0FD5DB697FE1}"/>
+                <a16:creationId xmlns:a16="http://schemas.microsoft.com/office/drawing/2014/main" id="{F5F8B14C-C2E4-4144-BFAD-53576FB2F8E4}"/>
               </a:ext>
             </a:extLst>
           </p:cNvPr>
@@ -4186,65 +3799,59 @@
           <a:bodyPr/>
           <a:lstStyle/>
           <a:p>
-            <a:r>
-              <a:rPr lang="de-DE" sz="1800" dirty="0"/>
-              <a:t>Welche </a:t>
-            </a:r>
-            <a:r>
-              <a:rPr lang="de-DE" sz="1800" b="1" dirty="0"/>
-              <a:t>zentralen Forschungslinien </a:t>
-            </a:r>
-            <a:r>
-              <a:rPr lang="de-DE" sz="1800" dirty="0"/>
-              <a:t>und </a:t>
-            </a:r>
-            <a:r>
-              <a:rPr lang="de-DE" sz="1800" b="1" dirty="0"/>
-              <a:t>Befunde</a:t>
-            </a:r>
-            <a:r>
-              <a:rPr lang="de-DE" sz="1800" dirty="0"/>
-              <a:t> zum Thema sind auszumachen?</a:t>
-            </a:r>
-          </a:p>
-          <a:p>
-            <a:pPr lvl="1"/>
-            <a:r>
-              <a:rPr lang="de-DE" sz="2200" dirty="0"/>
-              <a:t>zentrale Publikationen</a:t>
-            </a:r>
-          </a:p>
-          <a:p>
-            <a:r>
-              <a:rPr lang="de-DE" sz="1800" dirty="0"/>
-              <a:t>Wie ist der Forschungsstand zum Thema insgesamt zu </a:t>
-            </a:r>
-            <a:r>
-              <a:rPr lang="de-DE" sz="1800" b="1" dirty="0"/>
-              <a:t>beurteilen</a:t>
-            </a:r>
-            <a:r>
-              <a:rPr lang="de-DE" sz="1800" dirty="0"/>
-              <a:t>?</a:t>
-            </a:r>
-          </a:p>
-          <a:p>
-            <a:pPr lvl="1"/>
-            <a:r>
-              <a:rPr lang="de-DE" sz="2200" dirty="0" err="1"/>
-              <a:t>zB</a:t>
-            </a:r>
-            <a:r>
-              <a:rPr lang="de-DE" sz="2200" dirty="0"/>
-              <a:t>:  welche Aspekte wurden bislang ungenügend untersucht? </a:t>
-            </a:r>
+            <a:pPr marL="0" indent="0">
+              <a:buNone/>
+            </a:pPr>
+            <a:r>
+              <a:rPr lang="de-DE" sz="1400" b="1" dirty="0"/>
+              <a:t>Schritt 6: zusätzliche Quellen</a:t>
+            </a:r>
+          </a:p>
+          <a:p>
+            <a:pPr marL="0" indent="0">
+              <a:buNone/>
+            </a:pPr>
+            <a:r>
+              <a:rPr lang="de-DE" sz="1400" dirty="0"/>
+              <a:t>• Interpretation von Texten erfordert oft Wissen über Zusammenhänge, die über den Text hinausgehen</a:t>
+            </a:r>
+          </a:p>
+          <a:p>
+            <a:pPr marL="0" indent="0">
+              <a:buNone/>
+            </a:pPr>
+            <a:endParaRPr lang="de-DE" sz="1400" dirty="0"/>
+          </a:p>
+          <a:p>
+            <a:pPr marL="0" indent="0">
+              <a:buNone/>
+            </a:pPr>
+            <a:r>
+              <a:rPr lang="de-DE" sz="1400" dirty="0"/>
+              <a:t>‣ Zur Interpretation eines Textes sollen Wissensquellen außerhalb des Textes hinzugezogen werden</a:t>
+            </a:r>
+          </a:p>
+          <a:p>
+            <a:pPr marL="0" indent="0">
+              <a:buNone/>
+            </a:pPr>
+            <a:r>
+              <a:rPr lang="de-DE" sz="1400" dirty="0"/>
+              <a:t>‣ Wissen kann auch aus dem Text heraus gewonnen werden (textimmanente Informationen)</a:t>
+            </a:r>
+          </a:p>
+          <a:p>
+            <a:pPr marL="0" indent="0">
+              <a:buNone/>
+            </a:pPr>
+            <a:endParaRPr lang="de-DE" sz="1400" dirty="0"/>
           </a:p>
         </p:txBody>
       </p:sp>
     </p:spTree>
     <p:extLst>
       <p:ext uri="{BB962C8B-B14F-4D97-AF65-F5344CB8AC3E}">
-        <p14:creationId xmlns:p14="http://schemas.microsoft.com/office/powerpoint/2010/main" val="3641305656"/>
+        <p14:creationId xmlns:p14="http://schemas.microsoft.com/office/powerpoint/2010/main" val="2881059471"/>
       </p:ext>
     </p:extLst>
   </p:cSld>
@@ -4273,10 +3880,35 @@
       </p:grpSpPr>
       <p:sp>
         <p:nvSpPr>
+          <p:cNvPr id="2" name="Title 1">
+            <a:extLst>
+              <a:ext uri="{FF2B5EF4-FFF2-40B4-BE49-F238E27FC236}">
+                <a16:creationId xmlns:a16="http://schemas.microsoft.com/office/drawing/2014/main" id="{AAA6E9F6-3761-443C-9FD7-14EDB8E56A0B}"/>
+              </a:ext>
+            </a:extLst>
+          </p:cNvPr>
+          <p:cNvSpPr>
+            <a:spLocks noGrp="1"/>
+          </p:cNvSpPr>
+          <p:nvPr>
+            <p:ph type="title"/>
+          </p:nvPr>
+        </p:nvSpPr>
+        <p:spPr/>
+        <p:txBody>
+          <a:bodyPr/>
+          <a:lstStyle/>
+          <a:p>
+            <a:endParaRPr lang="de-DE"/>
+          </a:p>
+        </p:txBody>
+      </p:sp>
+      <p:sp>
+        <p:nvSpPr>
           <p:cNvPr id="3" name="Text Placeholder 2">
             <a:extLst>
               <a:ext uri="{FF2B5EF4-FFF2-40B4-BE49-F238E27FC236}">
-                <a16:creationId xmlns:a16="http://schemas.microsoft.com/office/drawing/2014/main" id="{1F674AF1-3215-483F-B932-33BC009C956C}"/>
+                <a16:creationId xmlns:a16="http://schemas.microsoft.com/office/drawing/2014/main" id="{EAFC9695-C7F7-40D7-BEDD-2D1848A6C2FB}"/>
               </a:ext>
             </a:extLst>
           </p:cNvPr>
@@ -4292,83 +3924,59 @@
           <a:bodyPr/>
           <a:lstStyle/>
           <a:p>
-            <a:endParaRPr lang="de-DE"/>
-          </a:p>
-        </p:txBody>
-      </p:sp>
-      <p:pic>
-        <p:nvPicPr>
-          <p:cNvPr id="5" name="Picture 4">
-            <a:extLst>
-              <a:ext uri="{FF2B5EF4-FFF2-40B4-BE49-F238E27FC236}">
-                <a16:creationId xmlns:a16="http://schemas.microsoft.com/office/drawing/2014/main" id="{B6623E59-6CAB-4ABB-B015-7E17E93D28EA}"/>
-              </a:ext>
-            </a:extLst>
-          </p:cNvPr>
-          <p:cNvPicPr>
-            <a:picLocks noChangeAspect="1"/>
-          </p:cNvPicPr>
-          <p:nvPr/>
-        </p:nvPicPr>
-        <p:blipFill rotWithShape="1">
-          <a:blip r:embed="rId2"/>
-          <a:srcRect l="1" r="11895" b="51400"/>
-          <a:stretch/>
-        </p:blipFill>
-        <p:spPr>
-          <a:xfrm>
-            <a:off x="2915816" y="900891"/>
-            <a:ext cx="5976664" cy="3903107"/>
-          </a:xfrm>
-          <a:prstGeom prst="rect">
-            <a:avLst/>
-          </a:prstGeom>
-        </p:spPr>
-      </p:pic>
-      <p:sp>
-        <p:nvSpPr>
-          <p:cNvPr id="7" name="Title 1">
-            <a:extLst>
-              <a:ext uri="{FF2B5EF4-FFF2-40B4-BE49-F238E27FC236}">
-                <a16:creationId xmlns:a16="http://schemas.microsoft.com/office/drawing/2014/main" id="{4EC23A9B-76E9-4B2F-BE6F-B49CBE47D1ED}"/>
-              </a:ext>
-            </a:extLst>
-          </p:cNvPr>
-          <p:cNvSpPr>
-            <a:spLocks noGrp="1"/>
-          </p:cNvSpPr>
-          <p:nvPr>
-            <p:ph type="title"/>
-          </p:nvPr>
-        </p:nvSpPr>
-        <p:spPr>
-          <a:xfrm>
-            <a:off x="251520" y="915566"/>
-            <a:ext cx="8640960" cy="504056"/>
-          </a:xfrm>
-        </p:spPr>
-        <p:txBody>
-          <a:bodyPr/>
-          <a:lstStyle/>
-          <a:p>
-            <a:r>
-              <a:rPr lang="de-DE" sz="2800" dirty="0" err="1"/>
-              <a:t>Untersuchungs</a:t>
-            </a:r>
-            <a:br>
-              <a:rPr lang="de-DE" sz="2800" dirty="0"/>
-            </a:br>
-            <a:r>
-              <a:rPr lang="de-DE" sz="2800" dirty="0"/>
-              <a:t>design</a:t>
-            </a:r>
+            <a:pPr marL="0" indent="0">
+              <a:buNone/>
+            </a:pPr>
+            <a:r>
+              <a:rPr lang="de-DE" sz="1400" b="1" dirty="0"/>
+              <a:t>Schritt 7: Syntax</a:t>
+            </a:r>
+          </a:p>
+          <a:p>
+            <a:pPr marL="0" indent="0">
+              <a:buNone/>
+            </a:pPr>
+            <a:r>
+              <a:rPr lang="de-DE" sz="1400" dirty="0"/>
+              <a:t>• Aussage eines Textes wird durch die Struktur der Sätze bestimmt</a:t>
+            </a:r>
+          </a:p>
+          <a:p>
+            <a:pPr marL="0" indent="0">
+              <a:buNone/>
+            </a:pPr>
+            <a:endParaRPr lang="de-DE" sz="1400" dirty="0"/>
+          </a:p>
+          <a:p>
+            <a:pPr marL="0" indent="0">
+              <a:buNone/>
+            </a:pPr>
+            <a:r>
+              <a:rPr lang="de-DE" sz="1400" dirty="0"/>
+              <a:t>‣ Textanalyse muss syntaktische Mittel berücksichtigen, um die Argumentationszusammenhänge eines Textes verstehen zu können</a:t>
+            </a:r>
+          </a:p>
+          <a:p>
+            <a:pPr marL="0" indent="0">
+              <a:buNone/>
+            </a:pPr>
+            <a:r>
+              <a:rPr lang="de-DE" sz="1400" dirty="0"/>
+              <a:t>‣ z. B. Signalwörter: „aber“ - deutet auf Gegenposition</a:t>
+            </a:r>
+          </a:p>
+          <a:p>
+            <a:pPr marL="0" indent="0">
+              <a:buNone/>
+            </a:pPr>
+            <a:endParaRPr lang="de-DE" sz="1400" dirty="0"/>
           </a:p>
         </p:txBody>
       </p:sp>
     </p:spTree>
     <p:extLst>
       <p:ext uri="{BB962C8B-B14F-4D97-AF65-F5344CB8AC3E}">
-        <p14:creationId xmlns:p14="http://schemas.microsoft.com/office/powerpoint/2010/main" val="1084059823"/>
+        <p14:creationId xmlns:p14="http://schemas.microsoft.com/office/powerpoint/2010/main" val="1303428087"/>
       </p:ext>
     </p:extLst>
   </p:cSld>
@@ -4397,10 +4005,35 @@
       </p:grpSpPr>
       <p:sp>
         <p:nvSpPr>
+          <p:cNvPr id="2" name="Title 1">
+            <a:extLst>
+              <a:ext uri="{FF2B5EF4-FFF2-40B4-BE49-F238E27FC236}">
+                <a16:creationId xmlns:a16="http://schemas.microsoft.com/office/drawing/2014/main" id="{02556446-2A62-4CC6-B055-B66F1403E37A}"/>
+              </a:ext>
+            </a:extLst>
+          </p:cNvPr>
+          <p:cNvSpPr>
+            <a:spLocks noGrp="1"/>
+          </p:cNvSpPr>
+          <p:nvPr>
+            <p:ph type="title"/>
+          </p:nvPr>
+        </p:nvSpPr>
+        <p:spPr/>
+        <p:txBody>
+          <a:bodyPr/>
+          <a:lstStyle/>
+          <a:p>
+            <a:endParaRPr lang="de-DE"/>
+          </a:p>
+        </p:txBody>
+      </p:sp>
+      <p:sp>
+        <p:nvSpPr>
           <p:cNvPr id="3" name="Text Placeholder 2">
             <a:extLst>
               <a:ext uri="{FF2B5EF4-FFF2-40B4-BE49-F238E27FC236}">
-                <a16:creationId xmlns:a16="http://schemas.microsoft.com/office/drawing/2014/main" id="{1F674AF1-3215-483F-B932-33BC009C956C}"/>
+                <a16:creationId xmlns:a16="http://schemas.microsoft.com/office/drawing/2014/main" id="{9158743F-F436-4C29-B19F-F92A86613A40}"/>
               </a:ext>
             </a:extLst>
           </p:cNvPr>
@@ -4416,7 +4049,307 @@
           <a:bodyPr/>
           <a:lstStyle/>
           <a:p>
+            <a:pPr marL="0" indent="0">
+              <a:buNone/>
+            </a:pPr>
+            <a:r>
+              <a:rPr lang="de-DE" sz="1400" b="1" dirty="0"/>
+              <a:t>Schritt 8: Gedankliche Gliederung</a:t>
+            </a:r>
+          </a:p>
+          <a:p>
+            <a:pPr marL="0" indent="0">
+              <a:buNone/>
+            </a:pPr>
+            <a:r>
+              <a:rPr lang="de-DE" sz="1400" dirty="0"/>
+              <a:t>• Texte enthalten Abschnitte unterschiedlicher Funktionen (Einleitung, Beschreibung des Problems, Beispiele, Argumentation, Widerlegung, ...)</a:t>
+            </a:r>
+          </a:p>
+          <a:p>
+            <a:pPr marL="0" indent="0">
+              <a:buNone/>
+            </a:pPr>
+            <a:endParaRPr lang="de-DE" sz="1400" dirty="0"/>
+          </a:p>
+          <a:p>
+            <a:pPr marL="0" indent="0">
+              <a:buNone/>
+            </a:pPr>
+            <a:r>
+              <a:rPr lang="de-DE" sz="1400" dirty="0"/>
+              <a:t>‣ Textanalyse muss die gedankliche Gliederung eines Textes (und die Funktionen der jeweiligen Abschnitte) rekonstruieren</a:t>
+            </a:r>
+          </a:p>
+          <a:p>
+            <a:pPr marL="0" indent="0">
+              <a:buNone/>
+            </a:pPr>
+            <a:r>
+              <a:rPr lang="de-DE" sz="1400" dirty="0"/>
+              <a:t>‣ Welche </a:t>
+            </a:r>
+            <a:r>
+              <a:rPr lang="de-DE" sz="1400" b="1" dirty="0"/>
+              <a:t>Funktion</a:t>
+            </a:r>
+            <a:r>
+              <a:rPr lang="de-DE" sz="1400" dirty="0"/>
+              <a:t> nehmen Abschnitte ein? (Hauptthese, Begründung, Erläuterung, Beispiel, Nebengedanke, Exkurs, ...)</a:t>
+            </a:r>
+          </a:p>
+          <a:p>
+            <a:pPr marL="0" indent="0">
+              <a:buNone/>
+            </a:pPr>
+            <a:endParaRPr lang="de-DE" sz="1400" dirty="0"/>
+          </a:p>
+        </p:txBody>
+      </p:sp>
+    </p:spTree>
+    <p:extLst>
+      <p:ext uri="{BB962C8B-B14F-4D97-AF65-F5344CB8AC3E}">
+        <p14:creationId xmlns:p14="http://schemas.microsoft.com/office/powerpoint/2010/main" val="3341668394"/>
+      </p:ext>
+    </p:extLst>
+  </p:cSld>
+  <p:clrMapOvr>
+    <a:masterClrMapping/>
+  </p:clrMapOvr>
+</p:sld>
+</file>
+
+<file path=ppt/slides/slide16.xml><?xml version="1.0" encoding="utf-8"?>
+<p:sld xmlns:a="http://schemas.openxmlformats.org/drawingml/2006/main" xmlns:r="http://schemas.openxmlformats.org/officeDocument/2006/relationships" xmlns:p="http://schemas.openxmlformats.org/presentationml/2006/main">
+  <p:cSld>
+    <p:spTree>
+      <p:nvGrpSpPr>
+        <p:cNvPr id="1" name=""/>
+        <p:cNvGrpSpPr/>
+        <p:nvPr/>
+      </p:nvGrpSpPr>
+      <p:grpSpPr>
+        <a:xfrm>
+          <a:off x="0" y="0"/>
+          <a:ext cx="0" cy="0"/>
+          <a:chOff x="0" y="0"/>
+          <a:chExt cx="0" cy="0"/>
+        </a:xfrm>
+      </p:grpSpPr>
+      <p:sp>
+        <p:nvSpPr>
+          <p:cNvPr id="2" name="Title 1">
+            <a:extLst>
+              <a:ext uri="{FF2B5EF4-FFF2-40B4-BE49-F238E27FC236}">
+                <a16:creationId xmlns:a16="http://schemas.microsoft.com/office/drawing/2014/main" id="{B01286BD-3F83-4B4E-BA57-C551415233A9}"/>
+              </a:ext>
+            </a:extLst>
+          </p:cNvPr>
+          <p:cNvSpPr>
+            <a:spLocks noGrp="1"/>
+          </p:cNvSpPr>
+          <p:nvPr>
+            <p:ph type="title"/>
+          </p:nvPr>
+        </p:nvSpPr>
+        <p:spPr/>
+        <p:txBody>
+          <a:bodyPr/>
+          <a:lstStyle/>
+          <a:p>
             <a:endParaRPr lang="de-DE"/>
+          </a:p>
+        </p:txBody>
+      </p:sp>
+      <p:sp>
+        <p:nvSpPr>
+          <p:cNvPr id="3" name="Text Placeholder 2">
+            <a:extLst>
+              <a:ext uri="{FF2B5EF4-FFF2-40B4-BE49-F238E27FC236}">
+                <a16:creationId xmlns:a16="http://schemas.microsoft.com/office/drawing/2014/main" id="{50132D48-8E23-4962-8ED3-ECE18ADB7683}"/>
+              </a:ext>
+            </a:extLst>
+          </p:cNvPr>
+          <p:cNvSpPr>
+            <a:spLocks noGrp="1"/>
+          </p:cNvSpPr>
+          <p:nvPr>
+            <p:ph type="body" sz="quarter" idx="10"/>
+          </p:nvPr>
+        </p:nvSpPr>
+        <p:spPr/>
+        <p:txBody>
+          <a:bodyPr/>
+          <a:lstStyle/>
+          <a:p>
+            <a:pPr marL="0" indent="0">
+              <a:buNone/>
+            </a:pPr>
+            <a:r>
+              <a:rPr lang="de-DE" sz="1400" b="1" dirty="0"/>
+              <a:t>Schritt 9: Widerspruchsfreiheit</a:t>
+            </a:r>
+          </a:p>
+          <a:p>
+            <a:pPr marL="0" indent="0">
+              <a:buNone/>
+            </a:pPr>
+            <a:r>
+              <a:rPr lang="de-DE" sz="1400" dirty="0"/>
+              <a:t>• Der zu analysierende Text versucht meist, die Rezipienten von etwas zu überzeugen</a:t>
+            </a:r>
+          </a:p>
+          <a:p>
+            <a:pPr marL="0" indent="0">
+              <a:buNone/>
+            </a:pPr>
+            <a:endParaRPr lang="de-DE" sz="1400" dirty="0"/>
+          </a:p>
+          <a:p>
+            <a:pPr marL="0" indent="0">
+              <a:buNone/>
+            </a:pPr>
+            <a:r>
+              <a:rPr lang="de-DE" sz="1400" dirty="0"/>
+              <a:t>‣ Textanalyse muss die Argumentation des Textes auf ihre logische Stringenz (roter Faden) und innere Widerspruchsfreiheit überprüfen</a:t>
+            </a:r>
+          </a:p>
+          <a:p>
+            <a:pPr marL="0" indent="0">
+              <a:buNone/>
+            </a:pPr>
+            <a:endParaRPr lang="de-DE" sz="1400" dirty="0"/>
+          </a:p>
+          <a:p>
+            <a:pPr marL="0" indent="0">
+              <a:buNone/>
+            </a:pPr>
+            <a:r>
+              <a:rPr lang="de-DE" sz="1400" dirty="0"/>
+              <a:t>‣ Begründungen, Folgerungen und Herleitungen des Autors müssen nachvollzogen und kritisch betrachtet werden</a:t>
+            </a:r>
+          </a:p>
+          <a:p>
+            <a:pPr marL="0" indent="0">
+              <a:buNone/>
+            </a:pPr>
+            <a:endParaRPr lang="de-DE" sz="1400" dirty="0"/>
+          </a:p>
+        </p:txBody>
+      </p:sp>
+    </p:spTree>
+    <p:extLst>
+      <p:ext uri="{BB962C8B-B14F-4D97-AF65-F5344CB8AC3E}">
+        <p14:creationId xmlns:p14="http://schemas.microsoft.com/office/powerpoint/2010/main" val="2384595655"/>
+      </p:ext>
+    </p:extLst>
+  </p:cSld>
+  <p:clrMapOvr>
+    <a:masterClrMapping/>
+  </p:clrMapOvr>
+</p:sld>
+</file>
+
+<file path=ppt/slides/slide17.xml><?xml version="1.0" encoding="utf-8"?>
+<p:sld xmlns:a="http://schemas.openxmlformats.org/drawingml/2006/main" xmlns:r="http://schemas.openxmlformats.org/officeDocument/2006/relationships" xmlns:p="http://schemas.openxmlformats.org/presentationml/2006/main">
+  <p:cSld>
+    <p:spTree>
+      <p:nvGrpSpPr>
+        <p:cNvPr id="1" name=""/>
+        <p:cNvGrpSpPr/>
+        <p:nvPr/>
+      </p:nvGrpSpPr>
+      <p:grpSpPr>
+        <a:xfrm>
+          <a:off x="0" y="0"/>
+          <a:ext cx="0" cy="0"/>
+          <a:chOff x="0" y="0"/>
+          <a:chExt cx="0" cy="0"/>
+        </a:xfrm>
+      </p:grpSpPr>
+      <p:sp>
+        <p:nvSpPr>
+          <p:cNvPr id="2" name="Title 1">
+            <a:extLst>
+              <a:ext uri="{FF2B5EF4-FFF2-40B4-BE49-F238E27FC236}">
+                <a16:creationId xmlns:a16="http://schemas.microsoft.com/office/drawing/2014/main" id="{E09A1F32-5C71-441E-A1ED-1C927BE150EB}"/>
+              </a:ext>
+            </a:extLst>
+          </p:cNvPr>
+          <p:cNvSpPr>
+            <a:spLocks noGrp="1"/>
+          </p:cNvSpPr>
+          <p:nvPr>
+            <p:ph type="title"/>
+          </p:nvPr>
+        </p:nvSpPr>
+        <p:spPr/>
+        <p:txBody>
+          <a:bodyPr/>
+          <a:lstStyle/>
+          <a:p>
+            <a:endParaRPr lang="de-DE"/>
+          </a:p>
+        </p:txBody>
+      </p:sp>
+      <p:sp>
+        <p:nvSpPr>
+          <p:cNvPr id="3" name="Text Placeholder 2">
+            <a:extLst>
+              <a:ext uri="{FF2B5EF4-FFF2-40B4-BE49-F238E27FC236}">
+                <a16:creationId xmlns:a16="http://schemas.microsoft.com/office/drawing/2014/main" id="{CA54C7AE-E69A-46C2-8621-A9AAD995D248}"/>
+              </a:ext>
+            </a:extLst>
+          </p:cNvPr>
+          <p:cNvSpPr>
+            <a:spLocks noGrp="1"/>
+          </p:cNvSpPr>
+          <p:nvPr>
+            <p:ph type="body" sz="quarter" idx="10"/>
+          </p:nvPr>
+        </p:nvSpPr>
+        <p:spPr/>
+        <p:txBody>
+          <a:bodyPr/>
+          <a:lstStyle/>
+          <a:p>
+            <a:pPr marL="0" indent="0">
+              <a:buNone/>
+            </a:pPr>
+            <a:r>
+              <a:rPr lang="de-DE" sz="1400" b="1" dirty="0"/>
+              <a:t>Schritt 10: Hermeneutischer Zirkel / Spirale</a:t>
+            </a:r>
+          </a:p>
+          <a:p>
+            <a:pPr marL="0" indent="0">
+              <a:buNone/>
+            </a:pPr>
+            <a:r>
+              <a:rPr lang="de-DE" sz="1400" dirty="0"/>
+              <a:t>• Interpretation eines Textes führt zu neuen Einzeleinsichten, diese helfen dabei, den gesamten Text besser zu verstehen</a:t>
+            </a:r>
+          </a:p>
+          <a:p>
+            <a:pPr marL="0" indent="0">
+              <a:buNone/>
+            </a:pPr>
+            <a:endParaRPr lang="de-DE" sz="1400" dirty="0"/>
+          </a:p>
+          <a:p>
+            <a:pPr marL="0" indent="0">
+              <a:buNone/>
+            </a:pPr>
+            <a:r>
+              <a:rPr lang="de-DE" sz="1400" dirty="0"/>
+              <a:t>‣ Das Vorverständnis eines Textes wird bei der Analyse beständig erweitert und wirkt sich auf die weitere Analyse aus</a:t>
+            </a:r>
+          </a:p>
+          <a:p>
+            <a:pPr marL="0" indent="0">
+              <a:buNone/>
+            </a:pPr>
+            <a:endParaRPr lang="de-DE" sz="1400" dirty="0"/>
           </a:p>
         </p:txBody>
       </p:sp>
@@ -4425,7 +4358,248 @@
           <p:cNvPr id="5" name="Picture 4">
             <a:extLst>
               <a:ext uri="{FF2B5EF4-FFF2-40B4-BE49-F238E27FC236}">
-                <a16:creationId xmlns:a16="http://schemas.microsoft.com/office/drawing/2014/main" id="{B6623E59-6CAB-4ABB-B015-7E17E93D28EA}"/>
+                <a16:creationId xmlns:a16="http://schemas.microsoft.com/office/drawing/2014/main" id="{9A50D8B1-15BB-4038-B63D-631BE40C5297}"/>
+              </a:ext>
+            </a:extLst>
+          </p:cNvPr>
+          <p:cNvPicPr>
+            <a:picLocks noChangeAspect="1"/>
+          </p:cNvPicPr>
+          <p:nvPr/>
+        </p:nvPicPr>
+        <p:blipFill>
+          <a:blip r:embed="rId2"/>
+          <a:stretch>
+            <a:fillRect/>
+          </a:stretch>
+        </p:blipFill>
+        <p:spPr>
+          <a:xfrm>
+            <a:off x="2987824" y="3232461"/>
+            <a:ext cx="3188797" cy="1760098"/>
+          </a:xfrm>
+          <a:prstGeom prst="rect">
+            <a:avLst/>
+          </a:prstGeom>
+        </p:spPr>
+      </p:pic>
+    </p:spTree>
+    <p:extLst>
+      <p:ext uri="{BB962C8B-B14F-4D97-AF65-F5344CB8AC3E}">
+        <p14:creationId xmlns:p14="http://schemas.microsoft.com/office/powerpoint/2010/main" val="186354639"/>
+      </p:ext>
+    </p:extLst>
+  </p:cSld>
+  <p:clrMapOvr>
+    <a:masterClrMapping/>
+  </p:clrMapOvr>
+</p:sld>
+</file>
+
+<file path=ppt/slides/slide18.xml><?xml version="1.0" encoding="utf-8"?>
+<p:sld xmlns:a="http://schemas.openxmlformats.org/drawingml/2006/main" xmlns:r="http://schemas.openxmlformats.org/officeDocument/2006/relationships" xmlns:p="http://schemas.openxmlformats.org/presentationml/2006/main">
+  <p:cSld>
+    <p:spTree>
+      <p:nvGrpSpPr>
+        <p:cNvPr id="1" name=""/>
+        <p:cNvGrpSpPr/>
+        <p:nvPr/>
+      </p:nvGrpSpPr>
+      <p:grpSpPr>
+        <a:xfrm>
+          <a:off x="0" y="0"/>
+          <a:ext cx="0" cy="0"/>
+          <a:chOff x="0" y="0"/>
+          <a:chExt cx="0" cy="0"/>
+        </a:xfrm>
+      </p:grpSpPr>
+      <p:sp>
+        <p:nvSpPr>
+          <p:cNvPr id="2" name="Title 1">
+            <a:extLst>
+              <a:ext uri="{FF2B5EF4-FFF2-40B4-BE49-F238E27FC236}">
+                <a16:creationId xmlns:a16="http://schemas.microsoft.com/office/drawing/2014/main" id="{253469F9-BCDD-4FD9-B54D-B516D371A46A}"/>
+              </a:ext>
+            </a:extLst>
+          </p:cNvPr>
+          <p:cNvSpPr>
+            <a:spLocks noGrp="1"/>
+          </p:cNvSpPr>
+          <p:nvPr>
+            <p:ph type="title"/>
+          </p:nvPr>
+        </p:nvSpPr>
+        <p:spPr/>
+        <p:txBody>
+          <a:bodyPr/>
+          <a:lstStyle/>
+          <a:p>
+            <a:endParaRPr lang="de-DE"/>
+          </a:p>
+        </p:txBody>
+      </p:sp>
+      <p:sp>
+        <p:nvSpPr>
+          <p:cNvPr id="3" name="Text Placeholder 2">
+            <a:extLst>
+              <a:ext uri="{FF2B5EF4-FFF2-40B4-BE49-F238E27FC236}">
+                <a16:creationId xmlns:a16="http://schemas.microsoft.com/office/drawing/2014/main" id="{33FF690D-B1B6-4295-8E6E-29674714B6E8}"/>
+              </a:ext>
+            </a:extLst>
+          </p:cNvPr>
+          <p:cNvSpPr>
+            <a:spLocks noGrp="1"/>
+          </p:cNvSpPr>
+          <p:nvPr>
+            <p:ph type="body" sz="quarter" idx="10"/>
+          </p:nvPr>
+        </p:nvSpPr>
+        <p:spPr/>
+        <p:txBody>
+          <a:bodyPr/>
+          <a:lstStyle/>
+          <a:p>
+            <a:pPr marL="0" indent="0">
+              <a:buNone/>
+            </a:pPr>
+            <a:r>
+              <a:rPr lang="de-DE" sz="1400" b="1" dirty="0"/>
+              <a:t>Schritt 11: Ideologiekritik</a:t>
+            </a:r>
+          </a:p>
+          <a:p>
+            <a:pPr marL="0" indent="0">
+              <a:buNone/>
+            </a:pPr>
+            <a:r>
+              <a:rPr lang="de-DE" sz="1400" dirty="0"/>
+              <a:t>• Aussagen in Texten sind oft (auch unbewusst) durch die gesellschaftliche Position des Autors und seine Interessen bestimmt</a:t>
+            </a:r>
+          </a:p>
+          <a:p>
+            <a:pPr marL="0" indent="0">
+              <a:buNone/>
+            </a:pPr>
+            <a:endParaRPr lang="de-DE" sz="1400" dirty="0"/>
+          </a:p>
+          <a:p>
+            <a:pPr marL="0" indent="0">
+              <a:buNone/>
+            </a:pPr>
+            <a:r>
+              <a:rPr lang="de-DE" sz="1400" dirty="0"/>
+              <a:t>‣ Textanalyse sollte die Aussagen eines Textes auf ihren ideologischen Hintergrund überprüfen (argumentiert der Autor dem „Zeitgeist“ entsprechend?)</a:t>
+            </a:r>
+          </a:p>
+          <a:p>
+            <a:pPr marL="0" indent="0">
+              <a:buNone/>
+            </a:pPr>
+            <a:endParaRPr lang="de-DE" sz="1400" dirty="0"/>
+          </a:p>
+          <a:p>
+            <a:pPr marL="0" indent="0">
+              <a:buNone/>
+            </a:pPr>
+            <a:r>
+              <a:rPr lang="de-DE" sz="1400" dirty="0"/>
+              <a:t>‣ Wirkung und Aufnahme eines Textes kann ebenfalls ideologisch bestimmt sein</a:t>
+            </a:r>
+          </a:p>
+          <a:p>
+            <a:pPr marL="0" indent="0">
+              <a:buNone/>
+            </a:pPr>
+            <a:endParaRPr lang="de-DE" sz="1400" dirty="0"/>
+          </a:p>
+        </p:txBody>
+      </p:sp>
+    </p:spTree>
+    <p:extLst>
+      <p:ext uri="{BB962C8B-B14F-4D97-AF65-F5344CB8AC3E}">
+        <p14:creationId xmlns:p14="http://schemas.microsoft.com/office/powerpoint/2010/main" val="2188077859"/>
+      </p:ext>
+    </p:extLst>
+  </p:cSld>
+  <p:clrMapOvr>
+    <a:masterClrMapping/>
+  </p:clrMapOvr>
+</p:sld>
+</file>
+
+<file path=ppt/slides/slide19.xml><?xml version="1.0" encoding="utf-8"?>
+<p:sld xmlns:a="http://schemas.openxmlformats.org/drawingml/2006/main" xmlns:r="http://schemas.openxmlformats.org/officeDocument/2006/relationships" xmlns:p="http://schemas.openxmlformats.org/presentationml/2006/main">
+  <p:cSld>
+    <p:spTree>
+      <p:nvGrpSpPr>
+        <p:cNvPr id="1" name=""/>
+        <p:cNvGrpSpPr/>
+        <p:nvPr/>
+      </p:nvGrpSpPr>
+      <p:grpSpPr>
+        <a:xfrm>
+          <a:off x="0" y="0"/>
+          <a:ext cx="0" cy="0"/>
+          <a:chOff x="0" y="0"/>
+          <a:chExt cx="0" cy="0"/>
+        </a:xfrm>
+      </p:grpSpPr>
+      <p:sp>
+        <p:nvSpPr>
+          <p:cNvPr id="2" name="Title 1">
+            <a:extLst>
+              <a:ext uri="{FF2B5EF4-FFF2-40B4-BE49-F238E27FC236}">
+                <a16:creationId xmlns:a16="http://schemas.microsoft.com/office/drawing/2014/main" id="{19C536AB-9658-4705-8346-7647E0A1306C}"/>
+              </a:ext>
+            </a:extLst>
+          </p:cNvPr>
+          <p:cNvSpPr>
+            <a:spLocks noGrp="1"/>
+          </p:cNvSpPr>
+          <p:nvPr>
+            <p:ph type="title"/>
+          </p:nvPr>
+        </p:nvSpPr>
+        <p:spPr/>
+        <p:txBody>
+          <a:bodyPr/>
+          <a:lstStyle/>
+          <a:p>
+            <a:endParaRPr lang="de-DE"/>
+          </a:p>
+        </p:txBody>
+      </p:sp>
+      <p:sp>
+        <p:nvSpPr>
+          <p:cNvPr id="3" name="Text Placeholder 2">
+            <a:extLst>
+              <a:ext uri="{FF2B5EF4-FFF2-40B4-BE49-F238E27FC236}">
+                <a16:creationId xmlns:a16="http://schemas.microsoft.com/office/drawing/2014/main" id="{CDE69785-4202-44F5-A764-58043541962F}"/>
+              </a:ext>
+            </a:extLst>
+          </p:cNvPr>
+          <p:cNvSpPr>
+            <a:spLocks noGrp="1"/>
+          </p:cNvSpPr>
+          <p:nvPr>
+            <p:ph type="body" sz="quarter" idx="10"/>
+          </p:nvPr>
+        </p:nvSpPr>
+        <p:spPr/>
+        <p:txBody>
+          <a:bodyPr/>
+          <a:lstStyle/>
+          <a:p>
+            <a:endParaRPr lang="de-DE"/>
+          </a:p>
+        </p:txBody>
+      </p:sp>
+      <p:pic>
+        <p:nvPicPr>
+          <p:cNvPr id="5" name="Picture 4">
+            <a:extLst>
+              <a:ext uri="{FF2B5EF4-FFF2-40B4-BE49-F238E27FC236}">
+                <a16:creationId xmlns:a16="http://schemas.microsoft.com/office/drawing/2014/main" id="{7E5D1225-877C-4048-9097-82A9AE9508F8}"/>
               </a:ext>
             </a:extLst>
           </p:cNvPr>
@@ -4436,63 +4610,52 @@
         </p:nvPicPr>
         <p:blipFill rotWithShape="1">
           <a:blip r:embed="rId2"/>
-          <a:srcRect t="48600" r="2212"/>
+          <a:srcRect l="1" r="2216" b="54599"/>
           <a:stretch/>
         </p:blipFill>
         <p:spPr>
           <a:xfrm>
-            <a:off x="2771800" y="905575"/>
-            <a:ext cx="6264696" cy="3898423"/>
+            <a:off x="-4596" y="843558"/>
+            <a:ext cx="4893857" cy="4176464"/>
           </a:xfrm>
           <a:prstGeom prst="rect">
             <a:avLst/>
           </a:prstGeom>
         </p:spPr>
       </p:pic>
-      <p:sp>
-        <p:nvSpPr>
-          <p:cNvPr id="6" name="Title 1">
+      <p:pic>
+        <p:nvPicPr>
+          <p:cNvPr id="6" name="Picture 5">
             <a:extLst>
               <a:ext uri="{FF2B5EF4-FFF2-40B4-BE49-F238E27FC236}">
-                <a16:creationId xmlns:a16="http://schemas.microsoft.com/office/drawing/2014/main" id="{EE6447F8-1E54-4EB2-9242-70EA66E14C55}"/>
+                <a16:creationId xmlns:a16="http://schemas.microsoft.com/office/drawing/2014/main" id="{82E33DC7-E642-4CDC-A4CC-11E95171FCF5}"/>
               </a:ext>
             </a:extLst>
           </p:cNvPr>
-          <p:cNvSpPr>
-            <a:spLocks noGrp="1"/>
-          </p:cNvSpPr>
-          <p:nvPr>
-            <p:ph type="title"/>
-          </p:nvPr>
-        </p:nvSpPr>
+          <p:cNvPicPr>
+            <a:picLocks noChangeAspect="1"/>
+          </p:cNvPicPr>
+          <p:nvPr/>
+        </p:nvPicPr>
+        <p:blipFill rotWithShape="1">
+          <a:blip r:embed="rId2"/>
+          <a:srcRect t="45423"/>
+          <a:stretch/>
+        </p:blipFill>
         <p:spPr>
           <a:xfrm>
-            <a:off x="251520" y="915566"/>
-            <a:ext cx="8640960" cy="504056"/>
+            <a:off x="4916655" y="843558"/>
+            <a:ext cx="4191849" cy="4205108"/>
           </a:xfrm>
+          <a:prstGeom prst="rect">
+            <a:avLst/>
+          </a:prstGeom>
         </p:spPr>
-        <p:txBody>
-          <a:bodyPr/>
-          <a:lstStyle/>
-          <a:p>
-            <a:r>
-              <a:rPr lang="de-DE" sz="2800" dirty="0" err="1"/>
-              <a:t>Untersuchungs</a:t>
-            </a:r>
-            <a:br>
-              <a:rPr lang="de-DE" sz="2800" dirty="0"/>
-            </a:br>
-            <a:r>
-              <a:rPr lang="de-DE" sz="2800" dirty="0"/>
-              <a:t>design</a:t>
-            </a:r>
-          </a:p>
-        </p:txBody>
-      </p:sp>
+      </p:pic>
     </p:spTree>
     <p:extLst>
       <p:ext uri="{BB962C8B-B14F-4D97-AF65-F5344CB8AC3E}">
-        <p14:creationId xmlns:p14="http://schemas.microsoft.com/office/powerpoint/2010/main" val="2756367302"/>
+        <p14:creationId xmlns:p14="http://schemas.microsoft.com/office/powerpoint/2010/main" val="1137819075"/>
       </p:ext>
     </p:extLst>
   </p:cSld>
@@ -4570,54 +4733,38 @@
           <a:bodyPr/>
           <a:lstStyle/>
           <a:p>
-            <a:endParaRPr lang="de-DE" sz="1600" dirty="0"/>
-          </a:p>
-          <a:p>
+            <a:pPr lvl="1"/>
+            <a:r>
+              <a:rPr lang="de-DE" sz="2000" dirty="0"/>
+              <a:t>Zitieren</a:t>
+            </a:r>
+          </a:p>
+          <a:p>
+            <a:pPr lvl="2"/>
             <a:r>
               <a:rPr lang="de-DE" sz="1600" dirty="0"/>
-              <a:t>Forschungsthema auswählen</a:t>
-            </a:r>
-          </a:p>
-          <a:p>
+              <a:t>unterschiedliche Zitationsschemata voneinander unterscheiden</a:t>
+            </a:r>
+          </a:p>
+          <a:p>
+            <a:pPr lvl="2"/>
             <a:r>
               <a:rPr lang="de-DE" sz="1600" dirty="0"/>
-              <a:t>Fragestellungen entwickeln</a:t>
-            </a:r>
-          </a:p>
-          <a:p>
+              <a:t>richtig Zitieren</a:t>
+            </a:r>
+          </a:p>
+          <a:p>
+            <a:pPr lvl="2"/>
             <a:r>
               <a:rPr lang="de-DE" sz="1600" dirty="0"/>
-              <a:t>Sie sind  in der Lage, die Literaturrecherche inhaltlich sinnvoll vorzubereiten und erste Artikel zu ihren Themengebieten zu finden.</a:t>
-            </a:r>
-          </a:p>
-          <a:p>
-            <a:endParaRPr lang="de-DE" sz="1600" dirty="0"/>
-          </a:p>
-          <a:p>
-            <a:r>
-              <a:rPr lang="de-DE" sz="1600" dirty="0"/>
-              <a:t>Rundfrage: </a:t>
+              <a:t>Literatur in ein Literaturverwaltungsprogramm einpflegen</a:t>
             </a:r>
           </a:p>
           <a:p>
             <a:pPr lvl="1"/>
             <a:r>
-              <a:rPr lang="de-DE" sz="1800" dirty="0"/>
-              <a:t>Forschungsproblem </a:t>
-            </a:r>
-          </a:p>
-          <a:p>
-            <a:pPr lvl="1"/>
-            <a:r>
-              <a:rPr lang="de-DE" sz="1800" dirty="0"/>
-              <a:t>Forschungsfragen </a:t>
-            </a:r>
-          </a:p>
-          <a:p>
-            <a:pPr lvl="1"/>
-            <a:r>
-              <a:rPr lang="de-DE" sz="1800" dirty="0"/>
-              <a:t>Forschungshypothesen</a:t>
+              <a:rPr lang="de-DE" sz="2000" dirty="0"/>
+              <a:t>Forschungsstand darstellen und Forschungsfragen ableiten</a:t>
             </a:r>
           </a:p>
         </p:txBody>
@@ -5454,8 +5601,8 @@
 </p:sld>
 </file>
 
-<file path=ppt/slides/slide3.xml><?xml version="1.0" encoding="utf-8"?>
-<p:sld xmlns:a="http://schemas.openxmlformats.org/drawingml/2006/main" xmlns:r="http://schemas.openxmlformats.org/officeDocument/2006/relationships" xmlns:p="http://schemas.openxmlformats.org/presentationml/2006/main" show="0">
+<file path=ppt/slides/slide20.xml><?xml version="1.0" encoding="utf-8"?>
+<p:sld xmlns:a="http://schemas.openxmlformats.org/drawingml/2006/main" xmlns:r="http://schemas.openxmlformats.org/officeDocument/2006/relationships" xmlns:p="http://schemas.openxmlformats.org/presentationml/2006/main">
   <p:cSld>
     <p:spTree>
       <p:nvGrpSpPr>
@@ -5476,7 +5623,7 @@
           <p:cNvPr id="2" name="Title 1">
             <a:extLst>
               <a:ext uri="{FF2B5EF4-FFF2-40B4-BE49-F238E27FC236}">
-                <a16:creationId xmlns:a16="http://schemas.microsoft.com/office/drawing/2014/main" id="{B89DC0A1-5600-4755-960B-693A64DAB1A3}"/>
+                <a16:creationId xmlns:a16="http://schemas.microsoft.com/office/drawing/2014/main" id="{72747251-A204-4D68-8C5B-302C0F9C72B0}"/>
               </a:ext>
             </a:extLst>
           </p:cNvPr>
@@ -5501,7 +5648,7 @@
           <p:cNvPr id="3" name="Text Placeholder 2">
             <a:extLst>
               <a:ext uri="{FF2B5EF4-FFF2-40B4-BE49-F238E27FC236}">
-                <a16:creationId xmlns:a16="http://schemas.microsoft.com/office/drawing/2014/main" id="{6B720C64-8E60-4402-99CD-F956E39AD07E}"/>
+                <a16:creationId xmlns:a16="http://schemas.microsoft.com/office/drawing/2014/main" id="{6CC45D71-B2C8-4807-9815-0AD628B0735B}"/>
               </a:ext>
             </a:extLst>
           </p:cNvPr>
@@ -5517,264 +5664,942 @@
           <a:bodyPr/>
           <a:lstStyle/>
           <a:p>
-            <a:endParaRPr lang="de-DE"/>
-          </a:p>
-        </p:txBody>
-      </p:sp>
-      <p:pic>
-        <p:nvPicPr>
-          <p:cNvPr id="5" name="Picture 4">
+            <a:pPr marL="0" indent="0">
+              <a:buNone/>
+            </a:pPr>
+            <a:r>
+              <a:rPr lang="de-DE" sz="1400" dirty="0"/>
+              <a:t>Literatur</a:t>
+            </a:r>
+          </a:p>
+          <a:p>
+            <a:pPr marL="0" indent="0">
+              <a:buNone/>
+            </a:pPr>
+            <a:r>
+              <a:rPr lang="de-DE" sz="1400" dirty="0"/>
+              <a:t>• Kruse, Otto (2004): Keine Angst vor dem leeren Blatt. Ohne Schreibblockaden durchs Studium. 10. Auflage. Frankfurt/New York: Campus.</a:t>
+            </a:r>
+          </a:p>
+          <a:p>
+            <a:pPr marL="0" indent="0">
+              <a:buNone/>
+            </a:pPr>
+            <a:r>
+              <a:rPr lang="de-DE" sz="1400" dirty="0"/>
+              <a:t>• Rittelmeyer, Christian/</a:t>
+            </a:r>
+            <a:r>
+              <a:rPr lang="de-DE" sz="1400" dirty="0" err="1"/>
+              <a:t>Parmentier</a:t>
+            </a:r>
+            <a:r>
+              <a:rPr lang="de-DE" sz="1400" dirty="0"/>
+              <a:t>, Michael (2001): Einführung in die pädagogische Hermeneutik. Mit einem Beitrag von Wolfgang Klafki. Darmstadt: WBG.</a:t>
+            </a:r>
+          </a:p>
+          <a:p>
+            <a:pPr marL="0" indent="0">
+              <a:buNone/>
+            </a:pPr>
+            <a:r>
+              <a:rPr lang="de-DE" sz="1400" dirty="0"/>
+              <a:t>• </a:t>
+            </a:r>
+            <a:r>
+              <a:rPr lang="de-DE" sz="1400" dirty="0" err="1"/>
+              <a:t>Stary</a:t>
+            </a:r>
+            <a:r>
+              <a:rPr lang="de-DE" sz="1400" dirty="0"/>
+              <a:t>, Joachim/Kretschmer, Horst (1994): Umgang mit wissenschaftlicher Literatur. Eine Arbeitshilfe für das sozial- und geisteswissenschaftliche Studium. Berlin: Cornelsen.</a:t>
+            </a:r>
+          </a:p>
+          <a:p>
+            <a:pPr marL="0" indent="0">
+              <a:buNone/>
+            </a:pPr>
+            <a:endParaRPr lang="de-DE" sz="1400" dirty="0"/>
+          </a:p>
+        </p:txBody>
+      </p:sp>
+    </p:spTree>
+    <p:extLst>
+      <p:ext uri="{BB962C8B-B14F-4D97-AF65-F5344CB8AC3E}">
+        <p14:creationId xmlns:p14="http://schemas.microsoft.com/office/powerpoint/2010/main" val="982010632"/>
+      </p:ext>
+    </p:extLst>
+  </p:cSld>
+  <p:clrMapOvr>
+    <a:masterClrMapping/>
+  </p:clrMapOvr>
+</p:sld>
+</file>
+
+<file path=ppt/slides/slide21.xml><?xml version="1.0" encoding="utf-8"?>
+<p:sld xmlns:a="http://schemas.openxmlformats.org/drawingml/2006/main" xmlns:r="http://schemas.openxmlformats.org/officeDocument/2006/relationships" xmlns:p="http://schemas.openxmlformats.org/presentationml/2006/main">
+  <p:cSld>
+    <p:spTree>
+      <p:nvGrpSpPr>
+        <p:cNvPr id="1" name=""/>
+        <p:cNvGrpSpPr/>
+        <p:nvPr/>
+      </p:nvGrpSpPr>
+      <p:grpSpPr>
+        <a:xfrm>
+          <a:off x="0" y="0"/>
+          <a:ext cx="0" cy="0"/>
+          <a:chOff x="0" y="0"/>
+          <a:chExt cx="0" cy="0"/>
+        </a:xfrm>
+      </p:grpSpPr>
+      <p:sp>
+        <p:nvSpPr>
+          <p:cNvPr id="2" name="Title 1">
             <a:extLst>
               <a:ext uri="{FF2B5EF4-FFF2-40B4-BE49-F238E27FC236}">
-                <a16:creationId xmlns:a16="http://schemas.microsoft.com/office/drawing/2014/main" id="{6A799F6B-AD15-49A9-82A7-12288B878AC6}"/>
+                <a16:creationId xmlns:a16="http://schemas.microsoft.com/office/drawing/2014/main" id="{25A9DE6B-8F7F-4C02-93F8-DD7B4C18D660}"/>
               </a:ext>
             </a:extLst>
           </p:cNvPr>
-          <p:cNvPicPr>
-            <a:picLocks noChangeAspect="1"/>
-          </p:cNvPicPr>
-          <p:nvPr/>
-        </p:nvPicPr>
-        <p:blipFill>
-          <a:blip r:embed="rId2"/>
-          <a:stretch>
-            <a:fillRect/>
-          </a:stretch>
-        </p:blipFill>
-        <p:spPr>
-          <a:xfrm>
-            <a:off x="2497971" y="0"/>
-            <a:ext cx="5354307" cy="5092030"/>
-          </a:xfrm>
-          <a:prstGeom prst="rect">
-            <a:avLst/>
-          </a:prstGeom>
-        </p:spPr>
-      </p:pic>
-      <p:sp>
-        <p:nvSpPr>
-          <p:cNvPr id="6" name="Text Placeholder 2">
+          <p:cNvSpPr>
+            <a:spLocks noGrp="1"/>
+          </p:cNvSpPr>
+          <p:nvPr>
+            <p:ph type="title"/>
+          </p:nvPr>
+        </p:nvSpPr>
+        <p:spPr/>
+        <p:txBody>
+          <a:bodyPr/>
+          <a:lstStyle/>
+          <a:p>
+            <a:r>
+              <a:rPr lang="de-DE" dirty="0"/>
+              <a:t>Planung</a:t>
+            </a:r>
+          </a:p>
+        </p:txBody>
+      </p:sp>
+      <p:sp>
+        <p:nvSpPr>
+          <p:cNvPr id="3" name="Text Placeholder 2">
             <a:extLst>
               <a:ext uri="{FF2B5EF4-FFF2-40B4-BE49-F238E27FC236}">
-                <a16:creationId xmlns:a16="http://schemas.microsoft.com/office/drawing/2014/main" id="{B9D3A5BA-68D5-4C96-8A0C-566D26FCDA4F}"/>
+                <a16:creationId xmlns:a16="http://schemas.microsoft.com/office/drawing/2014/main" id="{89AC5758-F134-470B-A29A-B7B3DCAE0A2A}"/>
               </a:ext>
             </a:extLst>
           </p:cNvPr>
-          <p:cNvSpPr txBox="1">
-            <a:spLocks/>
-          </p:cNvSpPr>
-          <p:nvPr/>
-        </p:nvSpPr>
-        <p:spPr>
-          <a:xfrm>
-            <a:off x="403225" y="1644030"/>
-            <a:ext cx="8642350" cy="3240087"/>
-          </a:xfrm>
-          <a:prstGeom prst="rect">
-            <a:avLst/>
-          </a:prstGeom>
-        </p:spPr>
+          <p:cNvSpPr>
+            <a:spLocks noGrp="1"/>
+          </p:cNvSpPr>
+          <p:nvPr>
+            <p:ph type="body" sz="quarter" idx="10"/>
+          </p:nvPr>
+        </p:nvSpPr>
+        <p:spPr/>
         <p:txBody>
           <a:bodyPr/>
-          <a:lstStyle>
-            <a:lvl1pPr marL="342900" indent="-342900" algn="l" defTabSz="914400" rtl="0" eaLnBrk="1" latinLnBrk="0" hangingPunct="1">
-              <a:spcBef>
-                <a:spcPct val="20000"/>
-              </a:spcBef>
-              <a:buClr>
-                <a:srgbClr val="84B818"/>
-              </a:buClr>
-              <a:buFont typeface="Arial" panose="020B0604020202020204" pitchFamily="34" charset="0"/>
-              <a:buChar char="•"/>
-              <a:defRPr sz="2400" kern="1200">
-                <a:solidFill>
-                  <a:srgbClr val="565656"/>
-                </a:solidFill>
-                <a:latin typeface="Arial" panose="020B0604020202020204" pitchFamily="34" charset="0"/>
-                <a:ea typeface="+mn-ea"/>
-                <a:cs typeface="Arial" panose="020B0604020202020204" pitchFamily="34" charset="0"/>
-              </a:defRPr>
-            </a:lvl1pPr>
-            <a:lvl2pPr marL="742950" indent="-285750" algn="l" defTabSz="914400" rtl="0" eaLnBrk="1" latinLnBrk="0" hangingPunct="1">
-              <a:spcBef>
-                <a:spcPct val="20000"/>
-              </a:spcBef>
-              <a:buFont typeface="Arial" panose="020B0604020202020204" pitchFamily="34" charset="0"/>
-              <a:buChar char="–"/>
-              <a:defRPr sz="2800" kern="1200">
-                <a:solidFill>
-                  <a:schemeClr val="tx1"/>
-                </a:solidFill>
-                <a:latin typeface="+mn-lt"/>
-                <a:ea typeface="+mn-ea"/>
-                <a:cs typeface="+mn-cs"/>
-              </a:defRPr>
-            </a:lvl2pPr>
-            <a:lvl3pPr marL="1143000" indent="-228600" algn="l" defTabSz="914400" rtl="0" eaLnBrk="1" latinLnBrk="0" hangingPunct="1">
-              <a:spcBef>
-                <a:spcPct val="20000"/>
-              </a:spcBef>
-              <a:buFont typeface="Arial" panose="020B0604020202020204" pitchFamily="34" charset="0"/>
-              <a:buChar char="•"/>
-              <a:defRPr sz="2400" kern="1200">
-                <a:solidFill>
-                  <a:schemeClr val="tx1"/>
-                </a:solidFill>
-                <a:latin typeface="+mn-lt"/>
-                <a:ea typeface="+mn-ea"/>
-                <a:cs typeface="+mn-cs"/>
-              </a:defRPr>
-            </a:lvl3pPr>
-            <a:lvl4pPr marL="1600200" indent="-228600" algn="l" defTabSz="914400" rtl="0" eaLnBrk="1" latinLnBrk="0" hangingPunct="1">
-              <a:spcBef>
-                <a:spcPct val="20000"/>
-              </a:spcBef>
-              <a:buFont typeface="Arial" panose="020B0604020202020204" pitchFamily="34" charset="0"/>
-              <a:buChar char="–"/>
-              <a:defRPr sz="2000" kern="1200">
-                <a:solidFill>
-                  <a:schemeClr val="tx1"/>
-                </a:solidFill>
-                <a:latin typeface="+mn-lt"/>
-                <a:ea typeface="+mn-ea"/>
-                <a:cs typeface="+mn-cs"/>
-              </a:defRPr>
-            </a:lvl4pPr>
-            <a:lvl5pPr marL="2057400" indent="-228600" algn="l" defTabSz="914400" rtl="0" eaLnBrk="1" latinLnBrk="0" hangingPunct="1">
-              <a:spcBef>
-                <a:spcPct val="20000"/>
-              </a:spcBef>
-              <a:buFont typeface="Arial" panose="020B0604020202020204" pitchFamily="34" charset="0"/>
-              <a:buChar char="»"/>
-              <a:defRPr sz="2000" kern="1200">
-                <a:solidFill>
-                  <a:schemeClr val="tx1"/>
-                </a:solidFill>
-                <a:latin typeface="+mn-lt"/>
-                <a:ea typeface="+mn-ea"/>
-                <a:cs typeface="+mn-cs"/>
-              </a:defRPr>
-            </a:lvl5pPr>
-            <a:lvl6pPr marL="2514600" indent="-228600" algn="l" defTabSz="914400" rtl="0" eaLnBrk="1" latinLnBrk="0" hangingPunct="1">
-              <a:spcBef>
-                <a:spcPct val="20000"/>
-              </a:spcBef>
-              <a:buFont typeface="Arial" panose="020B0604020202020204" pitchFamily="34" charset="0"/>
-              <a:buChar char="•"/>
-              <a:defRPr sz="2000" kern="1200">
-                <a:solidFill>
-                  <a:schemeClr val="tx1"/>
-                </a:solidFill>
-                <a:latin typeface="+mn-lt"/>
-                <a:ea typeface="+mn-ea"/>
-                <a:cs typeface="+mn-cs"/>
-              </a:defRPr>
-            </a:lvl6pPr>
-            <a:lvl7pPr marL="2971800" indent="-228600" algn="l" defTabSz="914400" rtl="0" eaLnBrk="1" latinLnBrk="0" hangingPunct="1">
-              <a:spcBef>
-                <a:spcPct val="20000"/>
-              </a:spcBef>
-              <a:buFont typeface="Arial" panose="020B0604020202020204" pitchFamily="34" charset="0"/>
-              <a:buChar char="•"/>
-              <a:defRPr sz="2000" kern="1200">
-                <a:solidFill>
-                  <a:schemeClr val="tx1"/>
-                </a:solidFill>
-                <a:latin typeface="+mn-lt"/>
-                <a:ea typeface="+mn-ea"/>
-                <a:cs typeface="+mn-cs"/>
-              </a:defRPr>
-            </a:lvl7pPr>
-            <a:lvl8pPr marL="3429000" indent="-228600" algn="l" defTabSz="914400" rtl="0" eaLnBrk="1" latinLnBrk="0" hangingPunct="1">
-              <a:spcBef>
-                <a:spcPct val="20000"/>
-              </a:spcBef>
-              <a:buFont typeface="Arial" panose="020B0604020202020204" pitchFamily="34" charset="0"/>
-              <a:buChar char="•"/>
-              <a:defRPr sz="2000" kern="1200">
-                <a:solidFill>
-                  <a:schemeClr val="tx1"/>
-                </a:solidFill>
-                <a:latin typeface="+mn-lt"/>
-                <a:ea typeface="+mn-ea"/>
-                <a:cs typeface="+mn-cs"/>
-              </a:defRPr>
-            </a:lvl8pPr>
-            <a:lvl9pPr marL="3886200" indent="-228600" algn="l" defTabSz="914400" rtl="0" eaLnBrk="1" latinLnBrk="0" hangingPunct="1">
-              <a:spcBef>
-                <a:spcPct val="20000"/>
-              </a:spcBef>
-              <a:buFont typeface="Arial" panose="020B0604020202020204" pitchFamily="34" charset="0"/>
-              <a:buChar char="•"/>
-              <a:defRPr sz="2000" kern="1200">
-                <a:solidFill>
-                  <a:schemeClr val="tx1"/>
-                </a:solidFill>
-                <a:latin typeface="+mn-lt"/>
-                <a:ea typeface="+mn-ea"/>
-                <a:cs typeface="+mn-cs"/>
-              </a:defRPr>
-            </a:lvl9pPr>
-          </a:lstStyle>
-          <a:p>
-            <a:endParaRPr lang="sv-SE" sz="1200" dirty="0"/>
-          </a:p>
-          <a:p>
-            <a:endParaRPr lang="sv-SE" sz="1200" dirty="0"/>
-          </a:p>
-          <a:p>
-            <a:endParaRPr lang="sv-SE" sz="1200" dirty="0"/>
-          </a:p>
-          <a:p>
-            <a:endParaRPr lang="sv-SE" sz="1200" dirty="0"/>
-          </a:p>
-          <a:p>
-            <a:endParaRPr lang="sv-SE" sz="1200" dirty="0"/>
-          </a:p>
-          <a:p>
-            <a:endParaRPr lang="sv-SE" sz="1200" dirty="0"/>
-          </a:p>
-          <a:p>
-            <a:endParaRPr lang="sv-SE" sz="1200" dirty="0"/>
-          </a:p>
-          <a:p>
-            <a:endParaRPr lang="sv-SE" sz="1200" dirty="0"/>
-          </a:p>
-          <a:p>
-            <a:endParaRPr lang="sv-SE" sz="1200" dirty="0"/>
-          </a:p>
-          <a:p>
-            <a:endParaRPr lang="sv-SE" sz="1200" dirty="0"/>
-          </a:p>
-          <a:p>
-            <a:endParaRPr lang="sv-SE" sz="1200" dirty="0"/>
-          </a:p>
-          <a:p>
-            <a:endParaRPr lang="sv-SE" sz="1200" dirty="0"/>
-          </a:p>
-          <a:p>
-            <a:endParaRPr lang="sv-SE" sz="1200" dirty="0"/>
-          </a:p>
-          <a:p>
-            <a:endParaRPr lang="sv-SE" sz="1200" dirty="0"/>
-          </a:p>
-          <a:p>
-            <a:pPr marL="0" indent="0" algn="r">
-              <a:buFont typeface="Arial" panose="020B0604020202020204" pitchFamily="34" charset="0"/>
-              <a:buNone/>
-            </a:pPr>
-            <a:r>
-              <a:rPr lang="sv-SE" sz="1200" dirty="0"/>
-              <a:t>Döring &amp; Bortz (2016)</a:t>
-            </a:r>
-            <a:endParaRPr lang="de-DE" sz="1200" dirty="0"/>
+          <a:lstStyle/>
+          <a:p>
+            <a:r>
+              <a:rPr lang="de-DE" sz="1600" dirty="0" err="1"/>
+              <a:t>Week</a:t>
+            </a:r>
+            <a:r>
+              <a:rPr lang="de-DE" sz="1600" dirty="0"/>
+              <a:t> 9, 10, 11</a:t>
+            </a:r>
+          </a:p>
+          <a:p>
+            <a:pPr lvl="1"/>
+            <a:r>
+              <a:rPr lang="de-DE" sz="1800" dirty="0"/>
+              <a:t>Textanalyse  1 - Klassiker</a:t>
+            </a:r>
+          </a:p>
+          <a:p>
+            <a:r>
+              <a:rPr lang="de-DE" sz="1600" dirty="0" err="1"/>
+              <a:t>Week</a:t>
+            </a:r>
+            <a:r>
+              <a:rPr lang="de-DE" sz="1600" dirty="0"/>
+              <a:t> 12, 13, 14</a:t>
+            </a:r>
+          </a:p>
+          <a:p>
+            <a:pPr lvl="1"/>
+            <a:r>
+              <a:rPr lang="de-DE" sz="1800" dirty="0"/>
+              <a:t>Textanalyse 2 - Moderner</a:t>
+            </a:r>
+          </a:p>
+          <a:p>
+            <a:r>
+              <a:rPr lang="de-DE" sz="1600" dirty="0" err="1"/>
+              <a:t>Week</a:t>
+            </a:r>
+            <a:r>
+              <a:rPr lang="de-DE" sz="1600" dirty="0"/>
+              <a:t> 15</a:t>
+            </a:r>
+          </a:p>
+          <a:p>
+            <a:pPr lvl="1"/>
+            <a:r>
+              <a:rPr lang="de-DE" sz="1800" dirty="0"/>
+              <a:t>Individualtermine</a:t>
+            </a:r>
           </a:p>
         </p:txBody>
       </p:sp>
     </p:spTree>
     <p:extLst>
       <p:ext uri="{BB962C8B-B14F-4D97-AF65-F5344CB8AC3E}">
-        <p14:creationId xmlns:p14="http://schemas.microsoft.com/office/powerpoint/2010/main" val="1850132931"/>
+        <p14:creationId xmlns:p14="http://schemas.microsoft.com/office/powerpoint/2010/main" val="1339969389"/>
+      </p:ext>
+    </p:extLst>
+  </p:cSld>
+  <p:clrMapOvr>
+    <a:masterClrMapping/>
+  </p:clrMapOvr>
+</p:sld>
+</file>
+
+<file path=ppt/slides/slide22.xml><?xml version="1.0" encoding="utf-8"?>
+<p:sld xmlns:a="http://schemas.openxmlformats.org/drawingml/2006/main" xmlns:r="http://schemas.openxmlformats.org/officeDocument/2006/relationships" xmlns:p="http://schemas.openxmlformats.org/presentationml/2006/main">
+  <p:cSld>
+    <p:spTree>
+      <p:nvGrpSpPr>
+        <p:cNvPr id="1" name=""/>
+        <p:cNvGrpSpPr/>
+        <p:nvPr/>
+      </p:nvGrpSpPr>
+      <p:grpSpPr>
+        <a:xfrm>
+          <a:off x="0" y="0"/>
+          <a:ext cx="0" cy="0"/>
+          <a:chOff x="0" y="0"/>
+          <a:chExt cx="0" cy="0"/>
+        </a:xfrm>
+      </p:grpSpPr>
+      <p:sp>
+        <p:nvSpPr>
+          <p:cNvPr id="2" name="Title 1">
+            <a:extLst>
+              <a:ext uri="{FF2B5EF4-FFF2-40B4-BE49-F238E27FC236}">
+                <a16:creationId xmlns:a16="http://schemas.microsoft.com/office/drawing/2014/main" id="{5A0C83F2-F915-4F4C-A64A-F4F8BB816C19}"/>
+              </a:ext>
+            </a:extLst>
+          </p:cNvPr>
+          <p:cNvSpPr>
+            <a:spLocks noGrp="1"/>
+          </p:cNvSpPr>
+          <p:nvPr>
+            <p:ph type="title"/>
+          </p:nvPr>
+        </p:nvSpPr>
+        <p:spPr/>
+        <p:txBody>
+          <a:bodyPr/>
+          <a:lstStyle/>
+          <a:p>
+            <a:r>
+              <a:rPr lang="de-DE" dirty="0"/>
+              <a:t>Texte - Klassiker</a:t>
+            </a:r>
+          </a:p>
+        </p:txBody>
+      </p:sp>
+      <p:sp>
+        <p:nvSpPr>
+          <p:cNvPr id="3" name="Text Placeholder 2">
+            <a:extLst>
+              <a:ext uri="{FF2B5EF4-FFF2-40B4-BE49-F238E27FC236}">
+                <a16:creationId xmlns:a16="http://schemas.microsoft.com/office/drawing/2014/main" id="{71AFDF6B-2D54-41DA-BB3A-E5D69A2C83BA}"/>
+              </a:ext>
+            </a:extLst>
+          </p:cNvPr>
+          <p:cNvSpPr>
+            <a:spLocks noGrp="1"/>
+          </p:cNvSpPr>
+          <p:nvPr>
+            <p:ph type="body" sz="quarter" idx="10"/>
+          </p:nvPr>
+        </p:nvSpPr>
+        <p:spPr/>
+        <p:txBody>
+          <a:bodyPr/>
+          <a:lstStyle/>
+          <a:p>
+            <a:pPr marL="0" indent="0">
+              <a:buNone/>
+            </a:pPr>
+            <a:r>
+              <a:rPr lang="de-DE" sz="1800" dirty="0"/>
+              <a:t>- </a:t>
+            </a:r>
+            <a:r>
+              <a:rPr lang="de-DE" sz="1800" dirty="0" err="1"/>
+              <a:t>Brezinka</a:t>
+            </a:r>
+            <a:r>
+              <a:rPr lang="de-DE" sz="1800" dirty="0"/>
+              <a:t> (1975) Über den Begriff der Erziehung </a:t>
+            </a:r>
+          </a:p>
+          <a:p>
+            <a:pPr marL="0" indent="0">
+              <a:buNone/>
+            </a:pPr>
+            <a:r>
+              <a:rPr lang="de-DE" sz="1800" dirty="0"/>
+              <a:t>- Durkheim (1984) Erziehung, Moral und Gesellschaft </a:t>
+            </a:r>
+          </a:p>
+          <a:p>
+            <a:pPr marL="0" indent="0">
+              <a:buNone/>
+            </a:pPr>
+            <a:r>
+              <a:rPr lang="de-DE" sz="1800" dirty="0"/>
+              <a:t>- Kant (1803) Vorlesung über Pädagogik (Auszug) </a:t>
+            </a:r>
+          </a:p>
+          <a:p>
+            <a:pPr marL="0" indent="0">
+              <a:buNone/>
+            </a:pPr>
+            <a:r>
+              <a:rPr lang="de-DE" sz="1800" dirty="0"/>
+              <a:t>- Kant (1784) Was ist Aufklärung </a:t>
+            </a:r>
+          </a:p>
+          <a:p>
+            <a:pPr marL="0" indent="0">
+              <a:buNone/>
+            </a:pPr>
+            <a:r>
+              <a:rPr lang="de-DE" sz="1800" dirty="0"/>
+              <a:t>- Rousseau (1762) Emile (Auszug)</a:t>
+            </a:r>
+          </a:p>
+        </p:txBody>
+      </p:sp>
+    </p:spTree>
+    <p:extLst>
+      <p:ext uri="{BB962C8B-B14F-4D97-AF65-F5344CB8AC3E}">
+        <p14:creationId xmlns:p14="http://schemas.microsoft.com/office/powerpoint/2010/main" val="1439106003"/>
+      </p:ext>
+    </p:extLst>
+  </p:cSld>
+  <p:clrMapOvr>
+    <a:masterClrMapping/>
+  </p:clrMapOvr>
+</p:sld>
+</file>
+
+<file path=ppt/slides/slide23.xml><?xml version="1.0" encoding="utf-8"?>
+<p:sld xmlns:a="http://schemas.openxmlformats.org/drawingml/2006/main" xmlns:r="http://schemas.openxmlformats.org/officeDocument/2006/relationships" xmlns:p="http://schemas.openxmlformats.org/presentationml/2006/main">
+  <p:cSld>
+    <p:spTree>
+      <p:nvGrpSpPr>
+        <p:cNvPr id="1" name=""/>
+        <p:cNvGrpSpPr/>
+        <p:nvPr/>
+      </p:nvGrpSpPr>
+      <p:grpSpPr>
+        <a:xfrm>
+          <a:off x="0" y="0"/>
+          <a:ext cx="0" cy="0"/>
+          <a:chOff x="0" y="0"/>
+          <a:chExt cx="0" cy="0"/>
+        </a:xfrm>
+      </p:grpSpPr>
+      <p:sp>
+        <p:nvSpPr>
+          <p:cNvPr id="2" name="Title 1">
+            <a:extLst>
+              <a:ext uri="{FF2B5EF4-FFF2-40B4-BE49-F238E27FC236}">
+                <a16:creationId xmlns:a16="http://schemas.microsoft.com/office/drawing/2014/main" id="{937DCE73-A433-4AC2-BC00-AF2F1C90B7F3}"/>
+              </a:ext>
+            </a:extLst>
+          </p:cNvPr>
+          <p:cNvSpPr>
+            <a:spLocks noGrp="1"/>
+          </p:cNvSpPr>
+          <p:nvPr>
+            <p:ph type="title"/>
+          </p:nvPr>
+        </p:nvSpPr>
+        <p:spPr/>
+        <p:txBody>
+          <a:bodyPr/>
+          <a:lstStyle/>
+          <a:p>
+            <a:r>
+              <a:rPr lang="de-DE" dirty="0"/>
+              <a:t>Texte - Modern</a:t>
+            </a:r>
+          </a:p>
+        </p:txBody>
+      </p:sp>
+      <p:sp>
+        <p:nvSpPr>
+          <p:cNvPr id="3" name="Text Placeholder 2">
+            <a:extLst>
+              <a:ext uri="{FF2B5EF4-FFF2-40B4-BE49-F238E27FC236}">
+                <a16:creationId xmlns:a16="http://schemas.microsoft.com/office/drawing/2014/main" id="{67CA7F84-40C7-42D4-9F0F-72B0AB8CC94C}"/>
+              </a:ext>
+            </a:extLst>
+          </p:cNvPr>
+          <p:cNvSpPr>
+            <a:spLocks noGrp="1"/>
+          </p:cNvSpPr>
+          <p:nvPr>
+            <p:ph type="body" sz="quarter" idx="10"/>
+          </p:nvPr>
+        </p:nvSpPr>
+        <p:spPr/>
+        <p:txBody>
+          <a:bodyPr/>
+          <a:lstStyle/>
+          <a:p>
+            <a:pPr marL="0" indent="0">
+              <a:buNone/>
+            </a:pPr>
+            <a:r>
+              <a:rPr lang="de-DE" sz="1000" dirty="0"/>
+              <a:t>Qualitativ</a:t>
+            </a:r>
+          </a:p>
+          <a:p>
+            <a:pPr>
+              <a:buFontTx/>
+              <a:buChar char="-"/>
+            </a:pPr>
+            <a:r>
+              <a:rPr lang="de-DE" sz="1000" dirty="0"/>
+              <a:t>Messerschmidt, Astrid (2016): Differenzreflexive Kritik machtkonformer Bildung. In: Müller, Stefan/ Mende, Janne (Hrsg.): Differenz und Identität. Konstellationen einer Kritik. Weinheim/ Basel: </a:t>
+            </a:r>
+            <a:r>
+              <a:rPr lang="de-DE" sz="1000" dirty="0" err="1"/>
+              <a:t>Juventa</a:t>
+            </a:r>
+            <a:r>
+              <a:rPr lang="de-DE" sz="1000" dirty="0"/>
+              <a:t>, S. 166-180.</a:t>
+            </a:r>
+          </a:p>
+          <a:p>
+            <a:pPr>
+              <a:buFontTx/>
+              <a:buChar char="-"/>
+            </a:pPr>
+            <a:r>
+              <a:rPr lang="de-DE" sz="1000" dirty="0" err="1"/>
+              <a:t>Ruhloff</a:t>
+            </a:r>
+            <a:r>
+              <a:rPr lang="de-DE" sz="1000" dirty="0"/>
+              <a:t>, Jörg (2009). Gefährdende Momente. Vom Einführen in die Pädagogik. In: </a:t>
+            </a:r>
+            <a:r>
+              <a:rPr lang="de-DE" sz="1000" dirty="0" err="1"/>
+              <a:t>Kubac</a:t>
+            </a:r>
+            <a:r>
+              <a:rPr lang="de-DE" sz="1000" dirty="0"/>
+              <a:t>, Richard/ Rabl, Christine/ Sattler, Elisabeth (Hrsg.): Weitermachen? Einsätze historischer Erziehungswissenschaft. Würzburg: Königshausen und Neumann, S. 70-77.</a:t>
+            </a:r>
+          </a:p>
+          <a:p>
+            <a:pPr marL="0" indent="0">
+              <a:buNone/>
+            </a:pPr>
+            <a:r>
+              <a:rPr lang="de-DE" sz="1000" dirty="0"/>
+              <a:t>Quantitativ</a:t>
+            </a:r>
+          </a:p>
+          <a:p>
+            <a:pPr>
+              <a:buFontTx/>
+              <a:buChar char="-"/>
+            </a:pPr>
+            <a:r>
+              <a:rPr lang="de-DE" sz="1000" dirty="0"/>
+              <a:t>Gebauer, M. M. &amp; </a:t>
+            </a:r>
+            <a:r>
+              <a:rPr lang="de-DE" sz="1000" dirty="0" err="1"/>
+              <a:t>McElvany</a:t>
+            </a:r>
+            <a:r>
+              <a:rPr lang="de-DE" sz="1000" dirty="0"/>
+              <a:t>, N. (2020). Einstellungen und Motivation bezogen auf kulturell-ethnisch heterogene Schülerinnen- und Schülergruppen und ihre Bedeutung für differenzielle Instruktion im Unterricht. Zeitschrift für Erziehungswissenschaft, (online </a:t>
+            </a:r>
+            <a:r>
+              <a:rPr lang="de-DE" sz="1000" dirty="0" err="1"/>
+              <a:t>first</a:t>
+            </a:r>
+            <a:r>
+              <a:rPr lang="de-DE" sz="1000" dirty="0"/>
+              <a:t>), 1-24. </a:t>
+            </a:r>
+            <a:r>
+              <a:rPr lang="de-DE" sz="1000" dirty="0" err="1"/>
+              <a:t>doi</a:t>
+            </a:r>
+            <a:r>
+              <a:rPr lang="de-DE" sz="1000" dirty="0"/>
+              <a:t>: 10.1007/s11618-020-00956-8</a:t>
+            </a:r>
+          </a:p>
+          <a:p>
+            <a:pPr>
+              <a:buFontTx/>
+              <a:buChar char="-"/>
+            </a:pPr>
+            <a:r>
+              <a:rPr lang="de-DE" sz="1000" dirty="0"/>
+              <a:t>Schwabe, F., </a:t>
+            </a:r>
+            <a:r>
+              <a:rPr lang="de-DE" sz="1000" dirty="0" err="1"/>
+              <a:t>Schlitter</a:t>
+            </a:r>
+            <a:r>
+              <a:rPr lang="de-DE" sz="1000" dirty="0"/>
+              <a:t>, T., </a:t>
+            </a:r>
+            <a:r>
+              <a:rPr lang="de-DE" sz="1000" dirty="0" err="1"/>
+              <a:t>Igler</a:t>
+            </a:r>
+            <a:r>
+              <a:rPr lang="de-DE" sz="1000" dirty="0"/>
+              <a:t>, J., </a:t>
+            </a:r>
+            <a:r>
+              <a:rPr lang="de-DE" sz="1000" dirty="0" err="1"/>
+              <a:t>Ohle</a:t>
+            </a:r>
+            <a:r>
+              <a:rPr lang="de-DE" sz="1000" dirty="0"/>
+              <a:t>-Peters, A., </a:t>
+            </a:r>
+            <a:r>
+              <a:rPr lang="de-DE" sz="1000" dirty="0" err="1"/>
+              <a:t>Teerling</a:t>
+            </a:r>
+            <a:r>
+              <a:rPr lang="de-DE" sz="1000" dirty="0"/>
+              <a:t>, A., Köller, O. &amp; </a:t>
+            </a:r>
+            <a:r>
+              <a:rPr lang="de-DE" sz="1000" dirty="0" err="1"/>
+              <a:t>McElvany</a:t>
+            </a:r>
+            <a:r>
+              <a:rPr lang="de-DE" sz="1000" dirty="0"/>
+              <a:t>, N. (2020). Lesemotivation, Leseselbstkonzept und Leseverhalten am Ende der Grundschulzeit – Wirksamkeit und differenzielle Effekte der schulischen Teilnahme an einer bundesweiten Förderinitiative. Zeitschrift für pädagogische Psychologie, 1, 1–18. </a:t>
+            </a:r>
+            <a:r>
+              <a:rPr lang="de-DE" sz="1000" dirty="0">
+                <a:hlinkClick r:id="rId2"/>
+              </a:rPr>
+              <a:t>https://doi.org/10.1024/1010-0652/a000262</a:t>
+            </a:r>
+            <a:endParaRPr lang="de-DE" sz="1000" dirty="0"/>
+          </a:p>
+          <a:p>
+            <a:pPr>
+              <a:buFontTx/>
+              <a:buChar char="-"/>
+            </a:pPr>
+            <a:r>
+              <a:rPr lang="de-DE" sz="1000" dirty="0"/>
+              <a:t>Stang, J. &amp; </a:t>
+            </a:r>
+            <a:r>
+              <a:rPr lang="de-DE" sz="1000" dirty="0" err="1"/>
+              <a:t>McElvany</a:t>
+            </a:r>
+            <a:r>
+              <a:rPr lang="de-DE" sz="1000" dirty="0"/>
+              <a:t>, N. (2020). Unterschiede in der Wahrnehmung der Qualität des Deutschunterrichts zwischen Grundschülerinnen und Grundschülern. Zeitschrift für Pädagogische Psychologie. </a:t>
+            </a:r>
+            <a:r>
+              <a:rPr lang="de-DE" sz="1000" dirty="0">
+                <a:hlinkClick r:id="rId3"/>
+              </a:rPr>
+              <a:t>https://doi.org/10.1024/1010-0652/a000275</a:t>
+            </a:r>
+            <a:endParaRPr lang="de-DE" sz="1000" dirty="0"/>
+          </a:p>
+          <a:p>
+            <a:pPr>
+              <a:buFontTx/>
+              <a:buChar char="-"/>
+            </a:pPr>
+            <a:r>
+              <a:rPr lang="en-US" sz="1000" dirty="0" err="1"/>
+              <a:t>Lauermann</a:t>
+            </a:r>
+            <a:r>
+              <a:rPr lang="en-US" sz="1000" dirty="0"/>
+              <a:t>, F., </a:t>
+            </a:r>
+            <a:r>
+              <a:rPr lang="en-US" sz="1000" dirty="0" err="1"/>
+              <a:t>Meißner</a:t>
+            </a:r>
+            <a:r>
+              <a:rPr lang="en-US" sz="1000" dirty="0"/>
+              <a:t>, A., &amp; </a:t>
+            </a:r>
+            <a:r>
+              <a:rPr lang="en-US" sz="1000" dirty="0" err="1"/>
+              <a:t>Steinmayr</a:t>
+            </a:r>
+            <a:r>
+              <a:rPr lang="en-US" sz="1000" dirty="0"/>
+              <a:t>, R. (2019). Relative importance of intelligence and ability self-concept in predicting test performance and school grades in the math and language arts domains. Journal of Educational Psychology. (Online first publication). </a:t>
+            </a:r>
+            <a:r>
+              <a:rPr lang="en-US" sz="1000" dirty="0" err="1"/>
+              <a:t>doi</a:t>
+            </a:r>
+            <a:r>
+              <a:rPr lang="en-US" sz="1000" dirty="0"/>
+              <a:t>: 10.1037/edu0000377 </a:t>
+            </a:r>
+            <a:r>
+              <a:rPr lang="de-DE" sz="1000" dirty="0"/>
+              <a:t> </a:t>
+            </a:r>
+          </a:p>
+          <a:p>
+            <a:pPr>
+              <a:buFontTx/>
+              <a:buChar char="-"/>
+            </a:pPr>
+            <a:r>
+              <a:rPr lang="en-US" sz="1000" dirty="0"/>
+              <a:t>Schepens, J., Van </a:t>
+            </a:r>
+            <a:r>
+              <a:rPr lang="en-US" sz="1000" dirty="0" err="1"/>
+              <a:t>Hout</a:t>
+            </a:r>
+            <a:r>
+              <a:rPr lang="en-US" sz="1000" dirty="0"/>
+              <a:t>, R., &amp; Jaeger, T. F. (2020). Big data suggest strong constraints of linguistic similarity on adult language learning. Cognition, 194, 104056. </a:t>
+            </a:r>
+            <a:r>
+              <a:rPr lang="en-US" sz="1000" dirty="0">
+                <a:hlinkClick r:id="rId4"/>
+              </a:rPr>
+              <a:t>https://doi.org/10.1016/j.cognition.2019.104056</a:t>
+            </a:r>
+            <a:endParaRPr lang="en-US" sz="1000" dirty="0"/>
+          </a:p>
+          <a:p>
+            <a:pPr>
+              <a:buFontTx/>
+              <a:buChar char="-"/>
+            </a:pPr>
+            <a:endParaRPr lang="de-DE" sz="1000" dirty="0"/>
+          </a:p>
+          <a:p>
+            <a:pPr>
+              <a:buFontTx/>
+              <a:buChar char="-"/>
+            </a:pPr>
+            <a:endParaRPr lang="de-DE" sz="1000" dirty="0"/>
+          </a:p>
+          <a:p>
+            <a:pPr>
+              <a:buFontTx/>
+              <a:buChar char="-"/>
+            </a:pPr>
+            <a:endParaRPr lang="de-DE" sz="1000" dirty="0"/>
+          </a:p>
+          <a:p>
+            <a:pPr>
+              <a:buFontTx/>
+              <a:buChar char="-"/>
+            </a:pPr>
+            <a:endParaRPr lang="en-US" sz="1000" dirty="0"/>
+          </a:p>
+          <a:p>
+            <a:pPr marL="0" indent="0">
+              <a:buNone/>
+            </a:pPr>
+            <a:endParaRPr lang="de-DE" sz="1000" dirty="0"/>
+          </a:p>
+        </p:txBody>
+      </p:sp>
+    </p:spTree>
+    <p:extLst>
+      <p:ext uri="{BB962C8B-B14F-4D97-AF65-F5344CB8AC3E}">
+        <p14:creationId xmlns:p14="http://schemas.microsoft.com/office/powerpoint/2010/main" val="3124779467"/>
+      </p:ext>
+    </p:extLst>
+  </p:cSld>
+  <p:clrMapOvr>
+    <a:masterClrMapping/>
+  </p:clrMapOvr>
+</p:sld>
+</file>
+
+<file path=ppt/slides/slide24.xml><?xml version="1.0" encoding="utf-8"?>
+<p:sld xmlns:a="http://schemas.openxmlformats.org/drawingml/2006/main" xmlns:r="http://schemas.openxmlformats.org/officeDocument/2006/relationships" xmlns:p="http://schemas.openxmlformats.org/presentationml/2006/main">
+  <p:cSld>
+    <p:spTree>
+      <p:nvGrpSpPr>
+        <p:cNvPr id="1" name=""/>
+        <p:cNvGrpSpPr/>
+        <p:nvPr/>
+      </p:nvGrpSpPr>
+      <p:grpSpPr>
+        <a:xfrm>
+          <a:off x="0" y="0"/>
+          <a:ext cx="0" cy="0"/>
+          <a:chOff x="0" y="0"/>
+          <a:chExt cx="0" cy="0"/>
+        </a:xfrm>
+      </p:grpSpPr>
+      <p:sp>
+        <p:nvSpPr>
+          <p:cNvPr id="2" name="Title 1">
+            <a:extLst>
+              <a:ext uri="{FF2B5EF4-FFF2-40B4-BE49-F238E27FC236}">
+                <a16:creationId xmlns:a16="http://schemas.microsoft.com/office/drawing/2014/main" id="{87F1A666-E765-4EB8-9CCC-1306F9851A72}"/>
+              </a:ext>
+            </a:extLst>
+          </p:cNvPr>
+          <p:cNvSpPr>
+            <a:spLocks noGrp="1"/>
+          </p:cNvSpPr>
+          <p:nvPr>
+            <p:ph type="title"/>
+          </p:nvPr>
+        </p:nvSpPr>
+        <p:spPr/>
+        <p:txBody>
+          <a:bodyPr/>
+          <a:lstStyle/>
+          <a:p>
+            <a:r>
+              <a:rPr lang="de-DE" dirty="0"/>
+              <a:t>Arbeitsauftrag </a:t>
+            </a:r>
+            <a:r>
+              <a:rPr lang="de-DE" dirty="0" err="1"/>
+              <a:t>naechste</a:t>
+            </a:r>
+            <a:r>
+              <a:rPr lang="de-DE" dirty="0"/>
+              <a:t> Woche</a:t>
+            </a:r>
+          </a:p>
+        </p:txBody>
+      </p:sp>
+      <p:sp>
+        <p:nvSpPr>
+          <p:cNvPr id="3" name="Text Placeholder 2">
+            <a:extLst>
+              <a:ext uri="{FF2B5EF4-FFF2-40B4-BE49-F238E27FC236}">
+                <a16:creationId xmlns:a16="http://schemas.microsoft.com/office/drawing/2014/main" id="{08EAB71A-ED12-468B-8BB7-FA83F8B09899}"/>
+              </a:ext>
+            </a:extLst>
+          </p:cNvPr>
+          <p:cNvSpPr>
+            <a:spLocks noGrp="1"/>
+          </p:cNvSpPr>
+          <p:nvPr>
+            <p:ph type="body" sz="quarter" idx="10"/>
+          </p:nvPr>
+        </p:nvSpPr>
+        <p:spPr/>
+        <p:txBody>
+          <a:bodyPr/>
+          <a:lstStyle/>
+          <a:p>
+            <a:r>
+              <a:rPr lang="de-DE" sz="1400" dirty="0"/>
+              <a:t>23p Klafki, Wolfgang (2001): Hermeneutische Verfahren in der Erziehungswissenschaft (1971). In: Rittelmeyer, Christian/ </a:t>
+            </a:r>
+            <a:r>
+              <a:rPr lang="de-DE" sz="1400" dirty="0" err="1"/>
+              <a:t>Parmentier</a:t>
+            </a:r>
+            <a:r>
+              <a:rPr lang="de-DE" sz="1400" dirty="0"/>
+              <a:t>, Michael (Hrsg.): Einführung in die pädagogische Hermeneutik. Mit einem Beitrag von Wolfgang Klafki. Darmstadt: Wissenschaftliche Buchgesellschaft. S. 125-148</a:t>
+            </a:r>
+          </a:p>
+          <a:p>
+            <a:endParaRPr lang="de-DE" sz="1800" dirty="0"/>
+          </a:p>
+        </p:txBody>
+      </p:sp>
+    </p:spTree>
+    <p:extLst>
+      <p:ext uri="{BB962C8B-B14F-4D97-AF65-F5344CB8AC3E}">
+        <p14:creationId xmlns:p14="http://schemas.microsoft.com/office/powerpoint/2010/main" val="2368142426"/>
+      </p:ext>
+    </p:extLst>
+  </p:cSld>
+  <p:clrMapOvr>
+    <a:masterClrMapping/>
+  </p:clrMapOvr>
+</p:sld>
+</file>
+
+<file path=ppt/slides/slide3.xml><?xml version="1.0" encoding="utf-8"?>
+<p:sld xmlns:a="http://schemas.openxmlformats.org/drawingml/2006/main" xmlns:r="http://schemas.openxmlformats.org/officeDocument/2006/relationships" xmlns:p="http://schemas.openxmlformats.org/presentationml/2006/main">
+  <p:cSld>
+    <p:spTree>
+      <p:nvGrpSpPr>
+        <p:cNvPr id="1" name=""/>
+        <p:cNvGrpSpPr/>
+        <p:nvPr/>
+      </p:nvGrpSpPr>
+      <p:grpSpPr>
+        <a:xfrm>
+          <a:off x="0" y="0"/>
+          <a:ext cx="0" cy="0"/>
+          <a:chOff x="0" y="0"/>
+          <a:chExt cx="0" cy="0"/>
+        </a:xfrm>
+      </p:grpSpPr>
+      <p:sp>
+        <p:nvSpPr>
+          <p:cNvPr id="2" name="Title 1">
+            <a:extLst>
+              <a:ext uri="{FF2B5EF4-FFF2-40B4-BE49-F238E27FC236}">
+                <a16:creationId xmlns:a16="http://schemas.microsoft.com/office/drawing/2014/main" id="{87F1A666-E765-4EB8-9CCC-1306F9851A72}"/>
+              </a:ext>
+            </a:extLst>
+          </p:cNvPr>
+          <p:cNvSpPr>
+            <a:spLocks noGrp="1"/>
+          </p:cNvSpPr>
+          <p:nvPr>
+            <p:ph type="title"/>
+          </p:nvPr>
+        </p:nvSpPr>
+        <p:spPr/>
+        <p:txBody>
+          <a:bodyPr/>
+          <a:lstStyle/>
+          <a:p>
+            <a:r>
+              <a:rPr lang="de-DE" dirty="0"/>
+              <a:t>Arbeitsauftrag letzte Woche</a:t>
+            </a:r>
+          </a:p>
+        </p:txBody>
+      </p:sp>
+      <p:sp>
+        <p:nvSpPr>
+          <p:cNvPr id="3" name="Text Placeholder 2">
+            <a:extLst>
+              <a:ext uri="{FF2B5EF4-FFF2-40B4-BE49-F238E27FC236}">
+                <a16:creationId xmlns:a16="http://schemas.microsoft.com/office/drawing/2014/main" id="{08EAB71A-ED12-468B-8BB7-FA83F8B09899}"/>
+              </a:ext>
+            </a:extLst>
+          </p:cNvPr>
+          <p:cNvSpPr>
+            <a:spLocks noGrp="1"/>
+          </p:cNvSpPr>
+          <p:nvPr>
+            <p:ph type="body" sz="quarter" idx="10"/>
+          </p:nvPr>
+        </p:nvSpPr>
+        <p:spPr/>
+        <p:txBody>
+          <a:bodyPr/>
+          <a:lstStyle/>
+          <a:p>
+            <a:pPr marL="0" indent="0">
+              <a:buNone/>
+            </a:pPr>
+            <a:r>
+              <a:rPr lang="de-DE" sz="1800" b="1" dirty="0"/>
+              <a:t>Lesen</a:t>
+            </a:r>
+            <a:r>
+              <a:rPr lang="de-DE" sz="1800" dirty="0"/>
+              <a:t> Sie (z.B. mit dem SQ3R Methode) einen Primärtext (z.B. aus ihrer Datenbank) und laden Sie (am besten bis zur nächsten Sitzung) ihre </a:t>
+            </a:r>
+            <a:r>
+              <a:rPr lang="de-DE" sz="1800" b="1" dirty="0"/>
+              <a:t>Stichpunkte</a:t>
+            </a:r>
+            <a:r>
+              <a:rPr lang="de-DE" sz="1800" dirty="0"/>
+              <a:t> in eigenen Worten* auf </a:t>
+            </a:r>
+            <a:r>
+              <a:rPr lang="de-DE" sz="1800" dirty="0" err="1"/>
+              <a:t>Moodle</a:t>
+            </a:r>
+            <a:r>
+              <a:rPr lang="de-DE" sz="1800" dirty="0"/>
+              <a:t> hoch (max. ½ DIN A4). </a:t>
+            </a:r>
+            <a:r>
+              <a:rPr lang="de-DE" sz="1800" b="1" dirty="0"/>
+              <a:t>Zitiere</a:t>
+            </a:r>
+            <a:r>
+              <a:rPr lang="de-DE" sz="1800" dirty="0"/>
+              <a:t> den gewählten Primärtext und fügen sie einen „</a:t>
+            </a:r>
+            <a:r>
+              <a:rPr lang="de-DE" sz="1800" b="1" dirty="0"/>
+              <a:t>Literaturverzeichnis</a:t>
+            </a:r>
+            <a:r>
+              <a:rPr lang="de-DE" sz="1800" dirty="0"/>
+              <a:t>“ hinzu (bestehend aus ihrem Buch + Zeitschriftenartikel + Übersichtsartikel) . </a:t>
+            </a:r>
+          </a:p>
+          <a:p>
+            <a:pPr marL="457200" indent="-457200">
+              <a:buFont typeface="+mj-lt"/>
+              <a:buAutoNum type="arabicPeriod"/>
+            </a:pPr>
+            <a:endParaRPr lang="de-DE" sz="1800" dirty="0"/>
+          </a:p>
+          <a:p>
+            <a:pPr marL="0" indent="0">
+              <a:buNone/>
+            </a:pPr>
+            <a:r>
+              <a:rPr lang="de-DE" sz="1800" dirty="0"/>
+              <a:t>* Forschungsthema, Forschungsstand, Fragestellung / Hypothesen, Design (+ </a:t>
+            </a:r>
+            <a:r>
+              <a:rPr lang="de-DE" sz="1800" dirty="0" err="1"/>
+              <a:t>evt</a:t>
+            </a:r>
+            <a:r>
+              <a:rPr lang="de-DE" sz="1800" dirty="0"/>
+              <a:t>. Stichprobe, Analyse, Ergebnisse, Schlussfolgerung)</a:t>
+            </a:r>
+          </a:p>
+        </p:txBody>
+      </p:sp>
+    </p:spTree>
+    <p:extLst>
+      <p:ext uri="{BB962C8B-B14F-4D97-AF65-F5344CB8AC3E}">
+        <p14:creationId xmlns:p14="http://schemas.microsoft.com/office/powerpoint/2010/main" val="2389641026"/>
       </p:ext>
     </p:extLst>
   </p:cSld>
@@ -5806,7 +6631,7 @@
           <p:cNvPr id="2" name="Title 1">
             <a:extLst>
               <a:ext uri="{FF2B5EF4-FFF2-40B4-BE49-F238E27FC236}">
-                <a16:creationId xmlns:a16="http://schemas.microsoft.com/office/drawing/2014/main" id="{4E3F3402-6E1A-447B-A6B1-3D553FCF5C45}"/>
+                <a16:creationId xmlns:a16="http://schemas.microsoft.com/office/drawing/2014/main" id="{E97D1666-4834-4E66-819E-C8568C0A2BF6}"/>
               </a:ext>
             </a:extLst>
           </p:cNvPr>
@@ -5824,9 +6649,8 @@
           <a:p>
             <a:r>
               <a:rPr lang="de-DE" dirty="0"/>
-              <a:t>Ziele der heutigen Sitzung</a:t>
-            </a:r>
-            <a:endParaRPr lang="en-US" dirty="0"/>
+              <a:t>Hermeneutik - Klafki</a:t>
+            </a:r>
           </a:p>
         </p:txBody>
       </p:sp>
@@ -5835,7 +6659,7 @@
           <p:cNvPr id="3" name="Text Placeholder 2">
             <a:extLst>
               <a:ext uri="{FF2B5EF4-FFF2-40B4-BE49-F238E27FC236}">
-                <a16:creationId xmlns:a16="http://schemas.microsoft.com/office/drawing/2014/main" id="{C4370FF5-5284-4B2C-9F6B-C076FA0221E1}"/>
+                <a16:creationId xmlns:a16="http://schemas.microsoft.com/office/drawing/2014/main" id="{362EB08F-12CD-4158-8E6C-DBD197AF7B37}"/>
               </a:ext>
             </a:extLst>
           </p:cNvPr>
@@ -5851,49 +6675,70 @@
           <a:bodyPr/>
           <a:lstStyle/>
           <a:p>
-            <a:r>
-              <a:rPr lang="de-DE" sz="1800" dirty="0"/>
-              <a:t>Lernziele: Sie können:</a:t>
-            </a:r>
-            <a:endParaRPr lang="de-DE" sz="2000" dirty="0"/>
-          </a:p>
-          <a:p>
-            <a:pPr lvl="1"/>
-            <a:r>
-              <a:rPr lang="de-DE" sz="2000" dirty="0"/>
-              <a:t>Zitieren</a:t>
-            </a:r>
-          </a:p>
-          <a:p>
-            <a:pPr lvl="2"/>
+            <a:pPr marL="0" indent="0">
+              <a:buNone/>
+            </a:pPr>
             <a:r>
               <a:rPr lang="de-DE" sz="1600" dirty="0"/>
-              <a:t>unterschiedliche Zitationsschemata voneinander unterscheiden</a:t>
-            </a:r>
-          </a:p>
-          <a:p>
-            <a:pPr lvl="2"/>
+              <a:t>• Hermeneutik = Theorie/Methode der Interpretation</a:t>
+            </a:r>
+          </a:p>
+          <a:p>
+            <a:pPr marL="0" indent="0">
+              <a:buNone/>
+            </a:pPr>
             <a:r>
               <a:rPr lang="de-DE" sz="1600" dirty="0"/>
-              <a:t>richtig Zitieren</a:t>
-            </a:r>
-          </a:p>
-          <a:p>
-            <a:pPr lvl="2"/>
+              <a:t>• Auslegung, Erklärung des Sinnes, der Bedeutung von </a:t>
+            </a:r>
+            <a:r>
+              <a:rPr lang="de-DE" sz="1600" b="1" dirty="0"/>
+              <a:t>überlieferten</a:t>
+            </a:r>
             <a:r>
               <a:rPr lang="de-DE" sz="1600" dirty="0"/>
-              <a:t>Literatur in ein Literaturverwaltungsprogramm einpflegen</a:t>
-            </a:r>
-          </a:p>
-          <a:p>
-            <a:pPr lvl="1"/>
-            <a:r>
-              <a:rPr lang="de-DE" sz="2000" dirty="0"/>
-              <a:t>Forschungsstand darstellen und Forschungsfragen ableiten</a:t>
-            </a:r>
-          </a:p>
-          <a:p>
-            <a:pPr lvl="2"/>
+              <a:t> Dokumenten (Texte, Bilder, etc.)</a:t>
+            </a:r>
+          </a:p>
+          <a:p>
+            <a:pPr marL="0" indent="0">
+              <a:buNone/>
+            </a:pPr>
+            <a:r>
+              <a:rPr lang="de-DE" sz="1600" dirty="0"/>
+              <a:t>• Verstehen eines Textes</a:t>
+            </a:r>
+          </a:p>
+          <a:p>
+            <a:pPr marL="0" indent="0">
+              <a:buNone/>
+            </a:pPr>
+            <a:r>
+              <a:rPr lang="de-DE" sz="1600" dirty="0"/>
+              <a:t>• auch in seinem historischen, konkreten, persönlichen Kontext</a:t>
+            </a:r>
+          </a:p>
+          <a:p>
+            <a:pPr marL="0" indent="0">
+              <a:buNone/>
+            </a:pPr>
+            <a:r>
+              <a:rPr lang="de-DE" sz="1600" dirty="0"/>
+              <a:t>• rationale, methodisch durchdachte und </a:t>
+            </a:r>
+            <a:r>
+              <a:rPr lang="de-DE" sz="1600" b="1" dirty="0"/>
+              <a:t>überprüfbare</a:t>
+            </a:r>
+            <a:r>
+              <a:rPr lang="de-DE" sz="1600" dirty="0"/>
+              <a:t> Auswertung</a:t>
+            </a:r>
+          </a:p>
+          <a:p>
+            <a:pPr marL="0" indent="0">
+              <a:buNone/>
+            </a:pPr>
             <a:endParaRPr lang="de-DE" sz="1600" dirty="0"/>
           </a:p>
         </p:txBody>
@@ -5901,7 +6746,7 @@
     </p:spTree>
     <p:extLst>
       <p:ext uri="{BB962C8B-B14F-4D97-AF65-F5344CB8AC3E}">
-        <p14:creationId xmlns:p14="http://schemas.microsoft.com/office/powerpoint/2010/main" val="1787210647"/>
+        <p14:creationId xmlns:p14="http://schemas.microsoft.com/office/powerpoint/2010/main" val="3555082753"/>
       </p:ext>
     </p:extLst>
   </p:cSld>
@@ -5933,7 +6778,7 @@
           <p:cNvPr id="2" name="Title 1">
             <a:extLst>
               <a:ext uri="{FF2B5EF4-FFF2-40B4-BE49-F238E27FC236}">
-                <a16:creationId xmlns:a16="http://schemas.microsoft.com/office/drawing/2014/main" id="{0DC37077-DE75-4E1A-9675-9E8C39ED87C0}"/>
+                <a16:creationId xmlns:a16="http://schemas.microsoft.com/office/drawing/2014/main" id="{5C020396-C052-4A24-8CB9-68CA178885B5}"/>
               </a:ext>
             </a:extLst>
           </p:cNvPr>
@@ -5950,9 +6795,13 @@
           <a:lstStyle/>
           <a:p>
             <a:r>
-              <a:rPr lang="de-DE" dirty="0"/>
-              <a:t>Arbeitsauftrag letzte Woche</a:t>
-            </a:r>
+              <a:rPr lang="de-DE" sz="3200" dirty="0"/>
+              <a:t>Sinn von Hermeneutik</a:t>
+            </a:r>
+            <a:br>
+              <a:rPr lang="de-DE" sz="3200" dirty="0"/>
+            </a:br>
+            <a:endParaRPr lang="de-DE" dirty="0"/>
           </a:p>
         </p:txBody>
       </p:sp>
@@ -5961,7 +6810,7 @@
           <p:cNvPr id="3" name="Text Placeholder 2">
             <a:extLst>
               <a:ext uri="{FF2B5EF4-FFF2-40B4-BE49-F238E27FC236}">
-                <a16:creationId xmlns:a16="http://schemas.microsoft.com/office/drawing/2014/main" id="{9A8B9131-451A-4C09-ABBC-166016A890C0}"/>
+                <a16:creationId xmlns:a16="http://schemas.microsoft.com/office/drawing/2014/main" id="{3B2AE1DE-72F9-4467-A1D6-29681710A3D7}"/>
               </a:ext>
             </a:extLst>
           </p:cNvPr>
@@ -5977,136 +6826,60 @@
           <a:bodyPr/>
           <a:lstStyle/>
           <a:p>
-            <a:pPr marL="523875" lvl="1" indent="-342900">
-              <a:buFont typeface="+mj-lt"/>
-              <a:buAutoNum type="arabicPeriod"/>
-            </a:pPr>
-            <a:r>
-              <a:rPr lang="de-DE" sz="1600" dirty="0">
-                <a:latin typeface="+mj-lt"/>
-              </a:rPr>
-              <a:t>Suchen Sie nach einem </a:t>
-            </a:r>
-            <a:r>
-              <a:rPr lang="de-DE" sz="1600" b="1" dirty="0">
-                <a:latin typeface="+mj-lt"/>
-              </a:rPr>
-              <a:t>Buch + Zeitschriftenartikel + Übersichtsartikel</a:t>
-            </a:r>
-            <a:r>
-              <a:rPr lang="de-DE" sz="1600" dirty="0">
-                <a:latin typeface="+mj-lt"/>
-              </a:rPr>
-              <a:t> zu ihrem Forschungsproblem</a:t>
-            </a:r>
-          </a:p>
-          <a:p>
-            <a:pPr marL="523875" lvl="1" indent="-342900">
-              <a:buFont typeface="+mj-lt"/>
-              <a:buAutoNum type="arabicPeriod"/>
+            <a:pPr marL="0" indent="0">
+              <a:buNone/>
             </a:pPr>
             <a:r>
               <a:rPr lang="de-DE" sz="1600" dirty="0"/>
-              <a:t>Schauen Sie sich die Online-Tutorials der Literaturverwaltungsprogramme </a:t>
-            </a:r>
-            <a:r>
-              <a:rPr lang="de-DE" sz="1600" dirty="0" err="1"/>
-              <a:t>Citavi</a:t>
-            </a:r>
+              <a:t>• Pädagogische Institutionen und damit Erziehungswirklichkeit sind das Resultat von geschichtlichen, politischen und kulturellen </a:t>
+            </a:r>
+            <a:r>
+              <a:rPr lang="de-DE" sz="1600" b="1" dirty="0"/>
+              <a:t>Entwicklungen</a:t>
+            </a:r>
+          </a:p>
+          <a:p>
+            <a:pPr marL="0" indent="0">
+              <a:buNone/>
+            </a:pPr>
             <a:r>
               <a:rPr lang="de-DE" sz="1600" dirty="0"/>
-              <a:t> und </a:t>
-            </a:r>
-            <a:r>
-              <a:rPr lang="de-DE" sz="1600" dirty="0" err="1"/>
-              <a:t>Zotero</a:t>
+              <a:t>• Pädagogische Sachverhalte sind </a:t>
+            </a:r>
+            <a:r>
+              <a:rPr lang="de-DE" sz="1600" b="1" dirty="0"/>
+              <a:t>nicht neutral</a:t>
             </a:r>
             <a:r>
               <a:rPr lang="de-DE" sz="1600" dirty="0"/>
-              <a:t> / </a:t>
-            </a:r>
-            <a:r>
-              <a:rPr lang="de-DE" sz="1600" dirty="0" err="1"/>
-              <a:t>ZoteroBib</a:t>
-            </a:r>
+              <a:t>, sondern von Interessen und Zielen ihrer Akteure bestimmt</a:t>
+            </a:r>
+          </a:p>
+          <a:p>
+            <a:pPr marL="0" indent="0">
+              <a:buNone/>
+            </a:pPr>
             <a:r>
               <a:rPr lang="de-DE" sz="1600" dirty="0"/>
-              <a:t> an:</a:t>
-            </a:r>
-          </a:p>
-          <a:p>
-            <a:pPr marL="923925" lvl="2" indent="-342900">
-              <a:buFont typeface="+mj-lt"/>
-              <a:buAutoNum type="arabicPeriod"/>
-            </a:pPr>
-            <a:r>
-              <a:rPr lang="de-DE" sz="1200" dirty="0">
-                <a:latin typeface="+mj-lt"/>
-                <a:hlinkClick r:id="rId2"/>
-              </a:rPr>
-              <a:t>https://www.ub.tu-dortmund.de/literatursuche/citavi.html </a:t>
-            </a:r>
-            <a:r>
-              <a:rPr lang="de-DE" sz="1200" dirty="0"/>
-              <a:t>oder </a:t>
-            </a:r>
-            <a:r>
-              <a:rPr lang="de-DE" sz="1200" dirty="0">
-                <a:latin typeface="+mj-lt"/>
-                <a:hlinkClick r:id="rId2"/>
-              </a:rPr>
-              <a:t>https://www.youtube.com/watch?v=Xu-xPwUBWGU&amp;list=PLZt0KjrejkY1ik9cr31hZW6ctsd3eoYSX</a:t>
-            </a:r>
-          </a:p>
-          <a:p>
-            <a:pPr marL="923925" lvl="2" indent="-342900">
-              <a:buFont typeface="+mj-lt"/>
-              <a:buAutoNum type="arabicPeriod"/>
-            </a:pPr>
-            <a:r>
-              <a:rPr lang="de-DE" sz="1200" dirty="0">
-                <a:latin typeface="+mj-lt"/>
-                <a:hlinkClick r:id="rId3"/>
-              </a:rPr>
-              <a:t>https://www.youtube.com/watch?v=PqQp_oUUY5w </a:t>
-            </a:r>
-            <a:endParaRPr lang="de-DE" sz="1200" dirty="0">
-              <a:latin typeface="+mj-lt"/>
-            </a:endParaRPr>
-          </a:p>
-          <a:p>
-            <a:pPr marL="523875" lvl="1" indent="-342900">
-              <a:buFont typeface="+mj-lt"/>
-              <a:buAutoNum type="arabicPeriod"/>
-            </a:pPr>
-            <a:r>
-              <a:rPr lang="de-DE" sz="1600" dirty="0"/>
-              <a:t>Entscheiden Sie sich für ein Programm und installieren Sie dieses auf ihrem Laptop</a:t>
-            </a:r>
-          </a:p>
-          <a:p>
-            <a:pPr marL="180975" lvl="1" indent="0">
-              <a:buNone/>
-            </a:pPr>
-            <a:r>
-              <a:rPr lang="de-DE" sz="1600" i="1" dirty="0"/>
-              <a:t>Ich persönlich arbeite mit </a:t>
-            </a:r>
-            <a:r>
-              <a:rPr lang="de-DE" sz="1600" i="1" dirty="0" err="1"/>
-              <a:t>Zotero</a:t>
-            </a:r>
-            <a:r>
-              <a:rPr lang="de-DE" sz="1600" i="1" dirty="0"/>
-              <a:t> und kann dazu am besten Hilfestellung geben, es gibt aber online viele Informationsmaterialien und Hilfestellungen</a:t>
-            </a:r>
+              <a:t>• Hermeneutik versucht, diesen Sinn methodisch durchdacht und intersubjektiv nachvollziehbar zu </a:t>
+            </a:r>
+            <a:r>
+              <a:rPr lang="de-DE" sz="1600" b="1" dirty="0"/>
+              <a:t>rekonstruieren</a:t>
+            </a:r>
+          </a:p>
+          <a:p>
+            <a:pPr marL="0" indent="0">
+              <a:buNone/>
+            </a:pPr>
+            <a:endParaRPr lang="de-DE" sz="1600" dirty="0"/>
           </a:p>
         </p:txBody>
       </p:sp>
     </p:spTree>
     <p:extLst>
       <p:ext uri="{BB962C8B-B14F-4D97-AF65-F5344CB8AC3E}">
-        <p14:creationId xmlns:p14="http://schemas.microsoft.com/office/powerpoint/2010/main" val="2015919101"/>
+        <p14:creationId xmlns:p14="http://schemas.microsoft.com/office/powerpoint/2010/main" val="3437546709"/>
       </p:ext>
     </p:extLst>
   </p:cSld>
@@ -6138,7 +6911,7 @@
           <p:cNvPr id="2" name="Title 1">
             <a:extLst>
               <a:ext uri="{FF2B5EF4-FFF2-40B4-BE49-F238E27FC236}">
-                <a16:creationId xmlns:a16="http://schemas.microsoft.com/office/drawing/2014/main" id="{87F1A666-E765-4EB8-9CCC-1306F9851A72}"/>
+                <a16:creationId xmlns:a16="http://schemas.microsoft.com/office/drawing/2014/main" id="{A201285F-8430-45D2-BD7D-11CC6C28447E}"/>
               </a:ext>
             </a:extLst>
           </p:cNvPr>
@@ -6155,9 +6928,13 @@
           <a:lstStyle/>
           <a:p>
             <a:r>
-              <a:rPr lang="de-DE" dirty="0"/>
-              <a:t>Arbeitsauftrag bis nächste Woche</a:t>
-            </a:r>
+              <a:rPr lang="de-DE" sz="3200" dirty="0"/>
+              <a:t>Arten der Erkenntnis</a:t>
+            </a:r>
+            <a:br>
+              <a:rPr lang="de-DE" sz="3200" dirty="0"/>
+            </a:br>
+            <a:endParaRPr lang="de-DE" dirty="0"/>
           </a:p>
         </p:txBody>
       </p:sp>
@@ -6166,7 +6943,7 @@
           <p:cNvPr id="3" name="Text Placeholder 2">
             <a:extLst>
               <a:ext uri="{FF2B5EF4-FFF2-40B4-BE49-F238E27FC236}">
-                <a16:creationId xmlns:a16="http://schemas.microsoft.com/office/drawing/2014/main" id="{08EAB71A-ED12-468B-8BB7-FA83F8B09899}"/>
+                <a16:creationId xmlns:a16="http://schemas.microsoft.com/office/drawing/2014/main" id="{D947B9BD-4BE1-4707-BA2A-D472CE5E588C}"/>
               </a:ext>
             </a:extLst>
           </p:cNvPr>
@@ -6186,76 +6963,67 @@
               <a:buNone/>
             </a:pPr>
             <a:r>
-              <a:rPr lang="de-DE" sz="1800" b="1" dirty="0"/>
-              <a:t>Lesen</a:t>
-            </a:r>
-            <a:r>
-              <a:rPr lang="de-DE" sz="1800" dirty="0"/>
-              <a:t> Sie (z.B. mit dem SQ3R Methode) einen Primärtext (z.B. aus ihrer Datenbank) und laden Sie bis zur nächsten Sitzung ihre </a:t>
-            </a:r>
-            <a:r>
-              <a:rPr lang="de-DE" sz="1800" b="1" dirty="0"/>
-              <a:t>Stichpunkte</a:t>
-            </a:r>
-            <a:r>
-              <a:rPr lang="de-DE" sz="1800" dirty="0"/>
-              <a:t> in eigenen Worten* auf </a:t>
-            </a:r>
-            <a:r>
-              <a:rPr lang="de-DE" sz="1800" dirty="0" err="1"/>
-              <a:t>Moodle</a:t>
-            </a:r>
-            <a:r>
-              <a:rPr lang="de-DE" sz="1800" dirty="0"/>
-              <a:t> hoch (max. ½ DIN A4). </a:t>
-            </a:r>
-            <a:r>
-              <a:rPr lang="de-DE" sz="1800" b="1" dirty="0"/>
-              <a:t>Zitiere</a:t>
-            </a:r>
-            <a:r>
-              <a:rPr lang="de-DE" sz="1800" dirty="0"/>
-              <a:t> den gewählten Primärtext und fügen sie einen „</a:t>
-            </a:r>
-            <a:r>
-              <a:rPr lang="de-DE" sz="1800" b="1" dirty="0"/>
-              <a:t>Literaturverzeichnis</a:t>
-            </a:r>
-            <a:r>
-              <a:rPr lang="de-DE" sz="1800" dirty="0"/>
-              <a:t>“ hinzu (bestehend aus ihrem Buch + Zeitschriftenartikel + Übersichtsartikel) . </a:t>
-            </a:r>
-          </a:p>
-          <a:p>
-            <a:pPr marL="457200" indent="-457200">
-              <a:buFont typeface="+mj-lt"/>
-              <a:buAutoNum type="arabicPeriod"/>
-            </a:pPr>
-            <a:endParaRPr lang="de-DE" sz="1800" dirty="0"/>
-          </a:p>
-          <a:p>
-            <a:pPr marL="0" indent="0">
-              <a:buNone/>
-            </a:pPr>
-            <a:r>
-              <a:rPr lang="de-DE" sz="1800" dirty="0"/>
-              <a:t>* Forschungsthema, Forschungsstand, Fragestellung / Hypothesen, Design (+ </a:t>
-            </a:r>
-            <a:r>
-              <a:rPr lang="de-DE" sz="1800" dirty="0" err="1"/>
-              <a:t>evt</a:t>
-            </a:r>
-            <a:r>
-              <a:rPr lang="de-DE" sz="1800" dirty="0"/>
-              <a:t>. Stichprobe, Analyse, Ergebnisse, Schlussfolgerung)</a:t>
-            </a:r>
+              <a:rPr lang="de-DE" sz="1600" dirty="0"/>
+              <a:t>Hermeneutik kann verschiedene Erkenntnisinteressen verfolgen</a:t>
+            </a:r>
+          </a:p>
+          <a:p>
+            <a:pPr marL="0" indent="0">
+              <a:buNone/>
+            </a:pPr>
+            <a:r>
+              <a:rPr lang="de-DE" sz="1600" dirty="0"/>
+              <a:t>• systematisch: an gegenwärtigen Problemen orientierte Analyse</a:t>
+            </a:r>
+          </a:p>
+          <a:p>
+            <a:pPr marL="0" indent="0">
+              <a:buNone/>
+            </a:pPr>
+            <a:r>
+              <a:rPr lang="de-DE" sz="1600" dirty="0"/>
+              <a:t>	• Hypothesenbildung</a:t>
+            </a:r>
+          </a:p>
+          <a:p>
+            <a:pPr marL="0" indent="0">
+              <a:buNone/>
+            </a:pPr>
+            <a:r>
+              <a:rPr lang="de-DE" sz="1600" dirty="0"/>
+              <a:t>	• Interpretation von Forschungsergebnissen</a:t>
+            </a:r>
+          </a:p>
+          <a:p>
+            <a:pPr marL="0" indent="0">
+              <a:buNone/>
+            </a:pPr>
+            <a:r>
+              <a:rPr lang="de-DE" sz="1600" dirty="0"/>
+              <a:t>	• Untersuchung von Normen und Zielen in der Erziehung</a:t>
+            </a:r>
+          </a:p>
+          <a:p>
+            <a:pPr marL="0" indent="0">
+              <a:buNone/>
+            </a:pPr>
+            <a:r>
+              <a:rPr lang="de-DE" sz="1600" dirty="0"/>
+              <a:t>• historisch: an historischen Problemen orientierte Analyse</a:t>
+            </a:r>
+          </a:p>
+          <a:p>
+            <a:pPr marL="0" indent="0">
+              <a:buNone/>
+            </a:pPr>
+            <a:endParaRPr lang="de-DE" sz="1600" dirty="0"/>
           </a:p>
         </p:txBody>
       </p:sp>
     </p:spTree>
     <p:extLst>
       <p:ext uri="{BB962C8B-B14F-4D97-AF65-F5344CB8AC3E}">
-        <p14:creationId xmlns:p14="http://schemas.microsoft.com/office/powerpoint/2010/main" val="2389641026"/>
+        <p14:creationId xmlns:p14="http://schemas.microsoft.com/office/powerpoint/2010/main" val="3211019184"/>
       </p:ext>
     </p:extLst>
   </p:cSld>
@@ -6287,7 +7055,7 @@
           <p:cNvPr id="2" name="Title 1">
             <a:extLst>
               <a:ext uri="{FF2B5EF4-FFF2-40B4-BE49-F238E27FC236}">
-                <a16:creationId xmlns:a16="http://schemas.microsoft.com/office/drawing/2014/main" id="{DDD8CDD0-2864-4209-8D62-CEB31910869C}"/>
+                <a16:creationId xmlns:a16="http://schemas.microsoft.com/office/drawing/2014/main" id="{1FE40B73-3B35-4B86-92C5-E5CEB6109F50}"/>
               </a:ext>
             </a:extLst>
           </p:cNvPr>
@@ -6303,10 +7071,7 @@
           <a:bodyPr/>
           <a:lstStyle/>
           <a:p>
-            <a:r>
-              <a:rPr lang="de-DE" dirty="0"/>
-              <a:t>Werkstatt: Literaturverwaltungsprogramme</a:t>
-            </a:r>
+            <a:endParaRPr lang="de-DE"/>
           </a:p>
         </p:txBody>
       </p:sp>
@@ -6315,7 +7080,7 @@
           <p:cNvPr id="3" name="Text Placeholder 2">
             <a:extLst>
               <a:ext uri="{FF2B5EF4-FFF2-40B4-BE49-F238E27FC236}">
-                <a16:creationId xmlns:a16="http://schemas.microsoft.com/office/drawing/2014/main" id="{3E6763C6-6ABE-44AD-B099-FCE9779F31BE}"/>
+                <a16:creationId xmlns:a16="http://schemas.microsoft.com/office/drawing/2014/main" id="{3A7C43AF-9AC2-40EB-98ED-DD2B069D376E}"/>
               </a:ext>
             </a:extLst>
           </p:cNvPr>
@@ -6331,26 +7096,44 @@
           <a:bodyPr/>
           <a:lstStyle/>
           <a:p>
-            <a:r>
-              <a:rPr lang="de-DE" dirty="0"/>
-              <a:t>Pflegen Sie die von Ihnen gesammelte Literatur in ihr Literaturverwaltungsprogramm ein</a:t>
-            </a:r>
-          </a:p>
-          <a:p>
-            <a:r>
-              <a:rPr lang="de-DE" dirty="0"/>
-              <a:t>Gibt es Bedarf an einer kurzen Vorführung?</a:t>
-            </a:r>
-          </a:p>
-          <a:p>
-            <a:endParaRPr lang="de-DE" dirty="0"/>
-          </a:p>
-        </p:txBody>
-      </p:sp>
+            <a:endParaRPr lang="de-DE"/>
+          </a:p>
+        </p:txBody>
+      </p:sp>
+      <p:pic>
+        <p:nvPicPr>
+          <p:cNvPr id="5" name="Picture 4">
+            <a:extLst>
+              <a:ext uri="{FF2B5EF4-FFF2-40B4-BE49-F238E27FC236}">
+                <a16:creationId xmlns:a16="http://schemas.microsoft.com/office/drawing/2014/main" id="{C70E4220-1C56-48C3-AFAB-ECC12DF024D2}"/>
+              </a:ext>
+            </a:extLst>
+          </p:cNvPr>
+          <p:cNvPicPr>
+            <a:picLocks noChangeAspect="1"/>
+          </p:cNvPicPr>
+          <p:nvPr/>
+        </p:nvPicPr>
+        <p:blipFill>
+          <a:blip r:embed="rId2"/>
+          <a:stretch>
+            <a:fillRect/>
+          </a:stretch>
+        </p:blipFill>
+        <p:spPr>
+          <a:xfrm>
+            <a:off x="1588820" y="771550"/>
+            <a:ext cx="6022430" cy="4042500"/>
+          </a:xfrm>
+          <a:prstGeom prst="rect">
+            <a:avLst/>
+          </a:prstGeom>
+        </p:spPr>
+      </p:pic>
     </p:spTree>
     <p:extLst>
       <p:ext uri="{BB962C8B-B14F-4D97-AF65-F5344CB8AC3E}">
-        <p14:creationId xmlns:p14="http://schemas.microsoft.com/office/powerpoint/2010/main" val="2002825146"/>
+        <p14:creationId xmlns:p14="http://schemas.microsoft.com/office/powerpoint/2010/main" val="3957111413"/>
       </p:ext>
     </p:extLst>
   </p:cSld>
@@ -6382,7 +7165,7 @@
           <p:cNvPr id="2" name="Title 1">
             <a:extLst>
               <a:ext uri="{FF2B5EF4-FFF2-40B4-BE49-F238E27FC236}">
-                <a16:creationId xmlns:a16="http://schemas.microsoft.com/office/drawing/2014/main" id="{47E2A362-0770-4558-B388-52690C309327}"/>
+                <a16:creationId xmlns:a16="http://schemas.microsoft.com/office/drawing/2014/main" id="{7045ADB4-8293-4C01-B78E-094E9BAE9B1C}"/>
               </a:ext>
             </a:extLst>
           </p:cNvPr>
@@ -6399,8 +7182,8 @@
           <a:lstStyle/>
           <a:p>
             <a:r>
-              <a:rPr lang="de-DE" dirty="0"/>
-              <a:t>Werkstatt: Zitieren </a:t>
+              <a:rPr lang="de-DE" sz="2000" dirty="0"/>
+              <a:t>11 methodologische Grunderkenntnisse der Hermeneutik nach Klafki</a:t>
             </a:r>
           </a:p>
         </p:txBody>
@@ -6410,7 +7193,7 @@
           <p:cNvPr id="3" name="Text Placeholder 2">
             <a:extLst>
               <a:ext uri="{FF2B5EF4-FFF2-40B4-BE49-F238E27FC236}">
-                <a16:creationId xmlns:a16="http://schemas.microsoft.com/office/drawing/2014/main" id="{35AF3AAB-0B55-4C22-B421-1F9B6054E203}"/>
+                <a16:creationId xmlns:a16="http://schemas.microsoft.com/office/drawing/2014/main" id="{513F47A5-B4DF-4611-893C-70CB66253EAF}"/>
               </a:ext>
             </a:extLst>
           </p:cNvPr>
@@ -6426,56 +7209,90 @@
           <a:bodyPr/>
           <a:lstStyle/>
           <a:p>
-            <a:pPr marL="0" lvl="0" indent="0">
-              <a:buNone/>
-            </a:pPr>
-            <a:r>
-              <a:rPr lang="de-DE" dirty="0"/>
-              <a:t>Lesen Sie den erste Absatz des Journal-Artikels von </a:t>
-            </a:r>
-            <a:r>
-              <a:rPr lang="de-DE" dirty="0" err="1"/>
-              <a:t>Praetorius</a:t>
-            </a:r>
-            <a:r>
-              <a:rPr lang="de-DE" dirty="0"/>
-              <a:t> und Kollegen (2014), versuchen Sie, die 3 </a:t>
-            </a:r>
-            <a:r>
-              <a:rPr lang="de-DE" sz="2400" dirty="0"/>
-              <a:t>Varianten </a:t>
-            </a:r>
-            <a:r>
-              <a:rPr lang="de-DE" dirty="0"/>
-              <a:t>des Zitierens zu erkennen.</a:t>
-            </a:r>
-          </a:p>
-          <a:p>
-            <a:pPr marL="0" lvl="0" indent="0">
-              <a:buNone/>
-            </a:pPr>
-            <a:endParaRPr lang="de-DE" dirty="0">
-              <a:hlinkClick r:id="rId2"/>
-            </a:endParaRPr>
-          </a:p>
-          <a:p>
-            <a:r>
-              <a:rPr lang="de-DE" dirty="0">
-                <a:hlinkClick r:id="rId2"/>
-              </a:rPr>
-              <a:t>https://doi.org/10.1016/j.learninstruc.2013.12.002</a:t>
-            </a:r>
-            <a:endParaRPr lang="de-DE" dirty="0"/>
-          </a:p>
-          <a:p>
-            <a:endParaRPr lang="de-DE" dirty="0"/>
+            <a:pPr marL="0" indent="0">
+              <a:buNone/>
+            </a:pPr>
+            <a:r>
+              <a:rPr lang="de-DE" sz="1400" b="1" dirty="0"/>
+              <a:t>Schritt 1:</a:t>
+            </a:r>
+          </a:p>
+          <a:p>
+            <a:pPr marL="0" indent="0">
+              <a:buNone/>
+            </a:pPr>
+            <a:r>
+              <a:rPr lang="de-DE" sz="1400" dirty="0"/>
+              <a:t>Vorverständnis und </a:t>
+            </a:r>
+            <a:r>
+              <a:rPr lang="de-DE" sz="1400" b="1" dirty="0"/>
+              <a:t>Fragestellung</a:t>
+            </a:r>
+          </a:p>
+          <a:p>
+            <a:pPr marL="0" indent="0">
+              <a:buNone/>
+            </a:pPr>
+            <a:r>
+              <a:rPr lang="de-DE" sz="1400" dirty="0"/>
+              <a:t>• Textinterpretation erfolgt anhand einer bestimmten Fragestellung</a:t>
+            </a:r>
+          </a:p>
+          <a:p>
+            <a:pPr marL="0" indent="0">
+              <a:buNone/>
+            </a:pPr>
+            <a:r>
+              <a:rPr lang="de-DE" sz="1400" dirty="0"/>
+              <a:t>• Fragestellungen implizieren ein Vorverständnis der Materie durch den Interpretierenden</a:t>
+            </a:r>
+          </a:p>
+          <a:p>
+            <a:pPr marL="0" indent="0">
+              <a:buNone/>
+            </a:pPr>
+            <a:endParaRPr lang="de-DE" sz="1400" dirty="0"/>
+          </a:p>
+          <a:p>
+            <a:pPr marL="0" indent="0">
+              <a:buNone/>
+            </a:pPr>
+            <a:r>
+              <a:rPr lang="de-DE" sz="1400" dirty="0"/>
+              <a:t>‣ eigene Fragestellung muss bei der Interpretation offengelegt werden, damit die Analyse für andere</a:t>
+            </a:r>
+          </a:p>
+          <a:p>
+            <a:pPr marL="0" indent="0">
+              <a:buNone/>
+            </a:pPr>
+            <a:r>
+              <a:rPr lang="de-DE" sz="1400" dirty="0"/>
+              <a:t>nachvollziehbar wird</a:t>
+            </a:r>
+          </a:p>
+          <a:p>
+            <a:pPr marL="0" indent="0">
+              <a:buNone/>
+            </a:pPr>
+            <a:r>
+              <a:rPr lang="de-DE" sz="1400" dirty="0"/>
+              <a:t>‣ Vorverständnis des Interpretierenden muss offengelegt werden</a:t>
+            </a:r>
+          </a:p>
+          <a:p>
+            <a:pPr marL="0" indent="0">
+              <a:buNone/>
+            </a:pPr>
+            <a:endParaRPr lang="de-DE" sz="1400" dirty="0"/>
           </a:p>
         </p:txBody>
       </p:sp>
     </p:spTree>
     <p:extLst>
       <p:ext uri="{BB962C8B-B14F-4D97-AF65-F5344CB8AC3E}">
-        <p14:creationId xmlns:p14="http://schemas.microsoft.com/office/powerpoint/2010/main" val="1547095953"/>
+        <p14:creationId xmlns:p14="http://schemas.microsoft.com/office/powerpoint/2010/main" val="3776900414"/>
       </p:ext>
     </p:extLst>
   </p:cSld>
@@ -6507,7 +7324,7 @@
           <p:cNvPr id="2" name="Title 1">
             <a:extLst>
               <a:ext uri="{FF2B5EF4-FFF2-40B4-BE49-F238E27FC236}">
-                <a16:creationId xmlns:a16="http://schemas.microsoft.com/office/drawing/2014/main" id="{6715242C-0B98-4C9F-A126-C001D3DB0501}"/>
+                <a16:creationId xmlns:a16="http://schemas.microsoft.com/office/drawing/2014/main" id="{74CA3812-7D11-4294-A791-DCA341526820}"/>
               </a:ext>
             </a:extLst>
           </p:cNvPr>
@@ -6523,10 +7340,7 @@
           <a:bodyPr/>
           <a:lstStyle/>
           <a:p>
-            <a:r>
-              <a:rPr lang="de-DE" dirty="0"/>
-              <a:t>Werkstatt: Zitieren </a:t>
-            </a:r>
+            <a:endParaRPr lang="de-DE"/>
           </a:p>
         </p:txBody>
       </p:sp>
@@ -6535,7 +7349,7 @@
           <p:cNvPr id="3" name="Text Placeholder 2">
             <a:extLst>
               <a:ext uri="{FF2B5EF4-FFF2-40B4-BE49-F238E27FC236}">
-                <a16:creationId xmlns:a16="http://schemas.microsoft.com/office/drawing/2014/main" id="{0222D01A-7CEB-4357-8EC7-0F8C9C042047}"/>
+                <a16:creationId xmlns:a16="http://schemas.microsoft.com/office/drawing/2014/main" id="{18BE463C-EEB5-4830-A272-F66D56B01651}"/>
               </a:ext>
             </a:extLst>
           </p:cNvPr>
@@ -6551,73 +7365,63 @@
           <a:bodyPr/>
           <a:lstStyle/>
           <a:p>
-            <a:r>
-              <a:rPr lang="de-DE" sz="1600" b="1" dirty="0"/>
-              <a:t>Variante 1: Am Ende einer zu belegenden Aussage (Name und Erscheinungsjahr in Klammern)</a:t>
-            </a:r>
-          </a:p>
-          <a:p>
-            <a:pPr lvl="1"/>
-            <a:r>
-              <a:rPr lang="de-DE" sz="1600" dirty="0"/>
-              <a:t>Es wurde bestätigt, dass die inhaltsabhängige Dimension von Unterrichtsqualität „kognitive Aktivierung“ stark über Klassen hinweg variiert (</a:t>
-            </a:r>
-            <a:r>
-              <a:rPr lang="de-DE" sz="1600" dirty="0" err="1"/>
-              <a:t>Praetorius</a:t>
-            </a:r>
-            <a:r>
-              <a:rPr lang="de-DE" sz="1600" dirty="0"/>
-              <a:t> et al., 2014).</a:t>
-            </a:r>
-          </a:p>
-          <a:p>
-            <a:r>
-              <a:rPr lang="de-DE" sz="1600" b="1" dirty="0"/>
-              <a:t>Variante 2: Nennung des Namens im Text (Erscheinungsjahr in Klammern) </a:t>
-            </a:r>
-          </a:p>
-          <a:p>
-            <a:pPr lvl="1"/>
-            <a:r>
-              <a:rPr lang="de-DE" sz="1600" dirty="0" err="1"/>
-              <a:t>Praetorius</a:t>
-            </a:r>
-            <a:r>
-              <a:rPr lang="de-DE" sz="1600" dirty="0"/>
-              <a:t> et al. (2014) konnten bestätigten, dass die inhaltsabhängige Dimension von Unterrichtsqualität „kognitive Aktivierung“ stark über Klassen hinweg variiert.</a:t>
-            </a:r>
-          </a:p>
-          <a:p>
-            <a:r>
-              <a:rPr lang="de-DE" sz="1600" b="1" dirty="0"/>
-              <a:t>Variante 3: Autorenname und Erscheinungsjahr werden beide in den Text integriert. </a:t>
-            </a:r>
-          </a:p>
-          <a:p>
-            <a:pPr lvl="1"/>
-            <a:r>
-              <a:rPr lang="de-DE" sz="1600" dirty="0"/>
-              <a:t>In der 2014 veröffentlichten Studie schreiben </a:t>
-            </a:r>
-            <a:r>
-              <a:rPr lang="de-DE" sz="1600" dirty="0" err="1"/>
-              <a:t>Praetorius</a:t>
-            </a:r>
-            <a:r>
-              <a:rPr lang="de-DE" sz="1600" dirty="0"/>
-              <a:t> et al., dass die inhaltsabhängige Dimension von Unterrichtsqualität „kognitive Aktivierung“ stark über Klassen hinweg variiert.</a:t>
-            </a:r>
-          </a:p>
-          <a:p>
-            <a:endParaRPr lang="de-DE" sz="2000" dirty="0"/>
+            <a:pPr marL="0" indent="0">
+              <a:buNone/>
+            </a:pPr>
+            <a:r>
+              <a:rPr lang="de-DE" sz="1400" b="1" dirty="0"/>
+              <a:t>Schritt 2: Anpassung</a:t>
+            </a:r>
+            <a:r>
+              <a:rPr lang="de-DE" sz="1400" dirty="0"/>
+              <a:t> der Fragestellung</a:t>
+            </a:r>
+          </a:p>
+          <a:p>
+            <a:pPr marL="0" indent="0">
+              <a:buNone/>
+            </a:pPr>
+            <a:r>
+              <a:rPr lang="de-DE" sz="1400" dirty="0"/>
+              <a:t>• Texte, die man im Forschungsverlauf liest, können das Vorverständnis und die Fragestellung verändern</a:t>
+            </a:r>
+          </a:p>
+          <a:p>
+            <a:pPr marL="0" indent="0">
+              <a:buNone/>
+            </a:pPr>
+            <a:endParaRPr lang="de-DE" sz="1400" dirty="0"/>
+          </a:p>
+          <a:p>
+            <a:pPr marL="0" indent="0">
+              <a:buNone/>
+            </a:pPr>
+            <a:r>
+              <a:rPr lang="de-DE" sz="1400" dirty="0"/>
+              <a:t>‣ eigene Fragestellung und das Vorverständnis müssen am Text (bzw. an Texten) ständig überprüft und bei Bedarf geändert werden</a:t>
+            </a:r>
+          </a:p>
+          <a:p>
+            <a:pPr marL="0" indent="0">
+              <a:buNone/>
+            </a:pPr>
+            <a:r>
+              <a:rPr lang="de-DE" sz="1400" dirty="0"/>
+              <a:t>‣ durch genaue Textarbeit entstehen immer wieder neue Fragen</a:t>
+            </a:r>
+          </a:p>
+          <a:p>
+            <a:pPr marL="0" indent="0">
+              <a:buNone/>
+            </a:pPr>
+            <a:endParaRPr lang="de-DE" sz="1400" dirty="0"/>
           </a:p>
         </p:txBody>
       </p:sp>
     </p:spTree>
     <p:extLst>
       <p:ext uri="{BB962C8B-B14F-4D97-AF65-F5344CB8AC3E}">
-        <p14:creationId xmlns:p14="http://schemas.microsoft.com/office/powerpoint/2010/main" val="4258253736"/>
+        <p14:creationId xmlns:p14="http://schemas.microsoft.com/office/powerpoint/2010/main" val="2097156666"/>
       </p:ext>
     </p:extLst>
   </p:cSld>
